--- a/snippets/HBS_wearanize.pptx
+++ b/snippets/HBS_wearanize.pptx
@@ -9896,7 +9896,11 @@
               <a:buNone/>
             </a:pPr>
             <a:r>
-              <a:rPr lang="en-US" dirty="0" smtClean="0"/>
+              <a:rPr lang="en-US" dirty="0" smtClean="0">
+                <a:solidFill>
+                  <a:srgbClr val="FFC000"/>
+                </a:solidFill>
+              </a:rPr>
               <a:t>4:    common feature/modalities generation (for synch by overlap)</a:t>
             </a:r>
           </a:p>
@@ -9908,7 +9912,11 @@
               <a:buNone/>
             </a:pPr>
             <a:r>
-              <a:rPr lang="en-US" dirty="0" smtClean="0"/>
+              <a:rPr lang="en-US" dirty="0" smtClean="0">
+                <a:solidFill>
+                  <a:srgbClr val="FFC000"/>
+                </a:solidFill>
+              </a:rPr>
               <a:t>5.1: aligning and synchronization</a:t>
             </a:r>
           </a:p>
@@ -9920,7 +9928,11 @@
               <a:buNone/>
             </a:pPr>
             <a:r>
-              <a:rPr lang="en-US" dirty="0" smtClean="0"/>
+              <a:rPr lang="en-US" dirty="0" smtClean="0">
+                <a:solidFill>
+                  <a:srgbClr val="C00000"/>
+                </a:solidFill>
+              </a:rPr>
               <a:t>5.2: align and synch info generation</a:t>
             </a:r>
           </a:p>
@@ -9932,7 +9944,11 @@
               <a:buNone/>
             </a:pPr>
             <a:r>
-              <a:rPr lang="en-US" dirty="0" smtClean="0"/>
+              <a:rPr lang="en-US" dirty="0" smtClean="0">
+                <a:solidFill>
+                  <a:srgbClr val="C00000"/>
+                </a:solidFill>
+              </a:rPr>
               <a:t>6.1: find all relevant data given a request command line software</a:t>
             </a:r>
           </a:p>
@@ -9944,7 +9960,11 @@
               <a:buNone/>
             </a:pPr>
             <a:r>
-              <a:rPr lang="en-US" dirty="0" smtClean="0"/>
+              <a:rPr lang="en-US" dirty="0" smtClean="0">
+                <a:solidFill>
+                  <a:srgbClr val="C00000"/>
+                </a:solidFill>
+              </a:rPr>
               <a:t>6.2: get the relevant files and snippets</a:t>
             </a:r>
           </a:p>
@@ -9956,7 +9976,11 @@
               <a:buNone/>
             </a:pPr>
             <a:r>
-              <a:rPr lang="en-US" dirty="0" smtClean="0"/>
+              <a:rPr lang="en-US" dirty="0" smtClean="0">
+                <a:solidFill>
+                  <a:srgbClr val="C00000"/>
+                </a:solidFill>
+              </a:rPr>
               <a:t>6.3: optional, merge in a common data format all the data  </a:t>
             </a:r>
           </a:p>

--- a/snippets/HBS_wearanize.pptx
+++ b/snippets/HBS_wearanize.pptx
@@ -24,9 +24,10 @@
     <p:sldId id="272" r:id="rId18"/>
     <p:sldId id="273" r:id="rId19"/>
     <p:sldId id="274" r:id="rId20"/>
-    <p:sldId id="275" r:id="rId21"/>
-    <p:sldId id="277" r:id="rId22"/>
-    <p:sldId id="276" r:id="rId23"/>
+    <p:sldId id="281" r:id="rId21"/>
+    <p:sldId id="275" r:id="rId22"/>
+    <p:sldId id="277" r:id="rId23"/>
+    <p:sldId id="276" r:id="rId24"/>
   </p:sldIdLst>
   <p:sldSz cx="9144000" cy="6858000" type="screen4x3"/>
   <p:notesSz cx="6858000" cy="9144000"/>
@@ -3813,9 +3814,6 @@
               <a:rPr lang="en-US" dirty="0" smtClean="0"/>
               <a:t>step 4: common feature/modalities generation (for synch by overlap)</a:t>
             </a:r>
-            <a:br>
-              <a:rPr lang="en-US" dirty="0" smtClean="0"/>
-            </a:br>
             <a:endParaRPr lang="en-US" dirty="0"/>
           </a:p>
         </p:txBody>
@@ -3999,17 +3997,25 @@
         <p:spPr/>
         <p:txBody>
           <a:bodyPr>
-            <a:normAutofit lnSpcReduction="10000"/>
+            <a:normAutofit fontScale="92500" lnSpcReduction="20000"/>
           </a:bodyPr>
           <a:lstStyle/>
           <a:p>
             <a:r>
+              <a:rPr lang="en-US" smtClean="0"/>
+              <a:t>Empatica </a:t>
+            </a:r>
+            <a:r>
+              <a:rPr lang="en-US" dirty="0" smtClean="0"/>
+              <a:t>is reference time for alignment, </a:t>
+            </a:r>
+            <a:r>
               <a:rPr lang="en-US" dirty="0" err="1" smtClean="0"/>
-              <a:t>Empathica</a:t>
-            </a:r>
-            <a:r>
-              <a:rPr lang="en-US" dirty="0" smtClean="0"/>
-              <a:t> is reference time for alignment</a:t>
+              <a:t>activPAL</a:t>
+            </a:r>
+            <a:r>
+              <a:rPr lang="en-US" dirty="0" smtClean="0"/>
+              <a:t> if only accelerometer is available</a:t>
             </a:r>
           </a:p>
           <a:p>
@@ -4984,7 +4990,9 @@
             <a:avLst/>
           </a:prstGeom>
           <a:solidFill>
-            <a:srgbClr val="C00000"/>
+            <a:schemeClr val="accent6">
+              <a:lumMod val="75000"/>
+            </a:schemeClr>
           </a:solidFill>
           <a:ln>
             <a:noFill/>
@@ -8252,7 +8260,15 @@
             </a:r>
             <a:r>
               <a:rPr lang="en-US" dirty="0" smtClean="0"/>
-              <a:t> raw data from wearable/mobile devices</a:t>
+              <a:t> </a:t>
+            </a:r>
+            <a:r>
+              <a:rPr lang="en-US" b="1" dirty="0" smtClean="0"/>
+              <a:t>raw data </a:t>
+            </a:r>
+            <a:r>
+              <a:rPr lang="en-US" dirty="0" smtClean="0"/>
+              <a:t>from wearable/mobile devices</a:t>
             </a:r>
             <a:endParaRPr lang="en-US" dirty="0"/>
           </a:p>
@@ -8277,8 +8293,20 @@
               <a:buAutoNum type="arabicPeriod"/>
             </a:pPr>
             <a:r>
+              <a:rPr lang="en-US" dirty="0" smtClean="0"/>
+              <a:t>In a </a:t>
+            </a:r>
+            <a:r>
               <a:rPr lang="en-US" b="1" dirty="0" smtClean="0"/>
-              <a:t>In a software for </a:t>
+              <a:t>software </a:t>
+            </a:r>
+            <a:r>
+              <a:rPr lang="en-US" dirty="0" smtClean="0"/>
+              <a:t>for</a:t>
+            </a:r>
+            <a:r>
+              <a:rPr lang="en-US" b="1" dirty="0" smtClean="0"/>
+              <a:t> </a:t>
             </a:r>
             <a:r>
               <a:rPr lang="en-US" dirty="0" smtClean="0"/>
@@ -8348,7 +8376,7 @@
           <a:p>
             <a:r>
               <a:rPr lang="en-US" dirty="0" smtClean="0"/>
-              <a:t>step 6.3: optional, merge in a common data format all the data  </a:t>
+              <a:t>6.3: visualize alignment and data availability</a:t>
             </a:r>
             <a:endParaRPr lang="en-US" dirty="0"/>
           </a:p>
@@ -8364,45 +8392,1713 @@
             <p:ph idx="1"/>
           </p:nvPr>
         </p:nvSpPr>
-        <p:spPr/>
-        <p:txBody>
-          <a:bodyPr/>
-          <a:lstStyle/>
-          <a:p>
-            <a:r>
-              <a:rPr lang="en-US" dirty="0" smtClean="0"/>
-              <a:t>resample of the data to align with the reference time line?</a:t>
-            </a:r>
-            <a:br>
-              <a:rPr lang="en-US" dirty="0" smtClean="0"/>
-            </a:br>
-            <a:r>
-              <a:rPr lang="en-US" dirty="0" smtClean="0"/>
-              <a:t>costs a lot of computation and/or extra space</a:t>
-            </a:r>
-            <a:br>
-              <a:rPr lang="en-US" dirty="0" smtClean="0"/>
-            </a:br>
-            <a:r>
-              <a:rPr lang="en-US" dirty="0" smtClean="0"/>
-              <a:t>needed by researchers to have a common format beyond the preprocessed?</a:t>
-            </a:r>
-          </a:p>
-          <a:p>
-            <a:pPr marL="0" indent="0">
-              <a:buNone/>
-            </a:pPr>
-            <a:r>
-              <a:rPr lang="en-US" b="1" dirty="0" smtClean="0"/>
-              <a:t>status: not done</a:t>
-            </a:r>
+        <p:spPr>
+          <a:xfrm>
+            <a:off x="457200" y="1600201"/>
+            <a:ext cx="8229600" cy="1324744"/>
+          </a:xfrm>
+        </p:spPr>
+        <p:txBody>
+          <a:bodyPr>
+            <a:normAutofit fontScale="85000" lnSpcReduction="20000"/>
+          </a:bodyPr>
+          <a:lstStyle/>
+          <a:p>
+            <a:r>
+              <a:rPr lang="en-US" dirty="0" smtClean="0"/>
+              <a:t>Quick overview of available data </a:t>
+            </a:r>
+          </a:p>
+          <a:p>
+            <a:r>
+              <a:rPr lang="en-US" dirty="0" smtClean="0"/>
+              <a:t>in a text (</a:t>
+            </a:r>
+            <a:r>
+              <a:rPr lang="en-US" dirty="0" smtClean="0"/>
+              <a:t>wearaboutnow.csv )</a:t>
+            </a:r>
+            <a:endParaRPr lang="en-US" dirty="0" smtClean="0"/>
+          </a:p>
+          <a:p>
+            <a:r>
+              <a:rPr lang="en-US" dirty="0" smtClean="0"/>
+              <a:t>…and visualized:</a:t>
+            </a:r>
+            <a:endParaRPr lang="en-US" dirty="0"/>
+          </a:p>
+        </p:txBody>
+      </p:sp>
+      <p:sp>
+        <p:nvSpPr>
+          <p:cNvPr id="4" name="Rechteck 3"/>
+          <p:cNvSpPr/>
+          <p:nvPr/>
+        </p:nvSpPr>
+        <p:spPr>
+          <a:xfrm>
+            <a:off x="1111217" y="3281344"/>
+            <a:ext cx="1188132" cy="144016"/>
+          </a:xfrm>
+          <a:prstGeom prst="rect">
+            <a:avLst/>
+          </a:prstGeom>
+          <a:solidFill>
+            <a:srgbClr val="00B050"/>
+          </a:solidFill>
+          <a:ln w="12700">
+            <a:solidFill>
+              <a:schemeClr val="tx1"/>
+            </a:solidFill>
+          </a:ln>
+        </p:spPr>
+        <p:style>
+          <a:lnRef idx="2">
+            <a:schemeClr val="accent1">
+              <a:shade val="50000"/>
+            </a:schemeClr>
+          </a:lnRef>
+          <a:fillRef idx="1">
+            <a:schemeClr val="accent1"/>
+          </a:fillRef>
+          <a:effectRef idx="0">
+            <a:schemeClr val="accent1"/>
+          </a:effectRef>
+          <a:fontRef idx="minor">
+            <a:schemeClr val="lt1"/>
+          </a:fontRef>
+        </p:style>
+        <p:txBody>
+          <a:bodyPr rtlCol="0" anchor="ctr"/>
+          <a:lstStyle/>
+          <a:p>
+            <a:r>
+              <a:rPr lang="en-US" dirty="0" smtClean="0"/>
+              <a:t>1</a:t>
+            </a:r>
+            <a:endParaRPr lang="en-US" dirty="0"/>
+          </a:p>
+        </p:txBody>
+      </p:sp>
+      <p:sp>
+        <p:nvSpPr>
+          <p:cNvPr id="5" name="Rechteck 4"/>
+          <p:cNvSpPr/>
+          <p:nvPr/>
+        </p:nvSpPr>
+        <p:spPr>
+          <a:xfrm>
+            <a:off x="4171557" y="3281344"/>
+            <a:ext cx="1188132" cy="144016"/>
+          </a:xfrm>
+          <a:prstGeom prst="rect">
+            <a:avLst/>
+          </a:prstGeom>
+          <a:solidFill>
+            <a:srgbClr val="00B050"/>
+          </a:solidFill>
+          <a:ln w="12700">
+            <a:solidFill>
+              <a:schemeClr val="tx1"/>
+            </a:solidFill>
+          </a:ln>
+        </p:spPr>
+        <p:style>
+          <a:lnRef idx="2">
+            <a:schemeClr val="accent1">
+              <a:shade val="50000"/>
+            </a:schemeClr>
+          </a:lnRef>
+          <a:fillRef idx="1">
+            <a:schemeClr val="accent1"/>
+          </a:fillRef>
+          <a:effectRef idx="0">
+            <a:schemeClr val="accent1"/>
+          </a:effectRef>
+          <a:fontRef idx="minor">
+            <a:schemeClr val="lt1"/>
+          </a:fontRef>
+        </p:style>
+        <p:txBody>
+          <a:bodyPr rtlCol="0" anchor="ctr"/>
+          <a:lstStyle/>
+          <a:p>
+            <a:r>
+              <a:rPr lang="en-US" dirty="0" smtClean="0"/>
+              <a:t>2</a:t>
+            </a:r>
+            <a:endParaRPr lang="en-US" dirty="0"/>
+          </a:p>
+        </p:txBody>
+      </p:sp>
+      <p:sp>
+        <p:nvSpPr>
+          <p:cNvPr id="6" name="Rechteck 5"/>
+          <p:cNvSpPr/>
+          <p:nvPr/>
+        </p:nvSpPr>
+        <p:spPr>
+          <a:xfrm>
+            <a:off x="7123885" y="3281344"/>
+            <a:ext cx="1188132" cy="144016"/>
+          </a:xfrm>
+          <a:prstGeom prst="rect">
+            <a:avLst/>
+          </a:prstGeom>
+          <a:noFill/>
+          <a:ln w="12700">
+            <a:solidFill>
+              <a:schemeClr val="tx1"/>
+            </a:solidFill>
+          </a:ln>
+        </p:spPr>
+        <p:style>
+          <a:lnRef idx="2">
+            <a:schemeClr val="accent1">
+              <a:shade val="50000"/>
+            </a:schemeClr>
+          </a:lnRef>
+          <a:fillRef idx="1">
+            <a:schemeClr val="accent1"/>
+          </a:fillRef>
+          <a:effectRef idx="0">
+            <a:schemeClr val="accent1"/>
+          </a:effectRef>
+          <a:fontRef idx="minor">
+            <a:schemeClr val="lt1"/>
+          </a:fontRef>
+        </p:style>
+        <p:txBody>
+          <a:bodyPr rtlCol="0" anchor="ctr"/>
+          <a:lstStyle/>
+          <a:p>
+            <a:r>
+              <a:rPr lang="en-US" dirty="0" smtClean="0"/>
+              <a:t>3</a:t>
+            </a:r>
+            <a:endParaRPr lang="en-US" dirty="0"/>
+          </a:p>
+        </p:txBody>
+      </p:sp>
+      <p:sp>
+        <p:nvSpPr>
+          <p:cNvPr id="7" name="Rechteck 6"/>
+          <p:cNvSpPr/>
+          <p:nvPr/>
+        </p:nvSpPr>
+        <p:spPr>
+          <a:xfrm>
+            <a:off x="1111217" y="3433744"/>
+            <a:ext cx="1188132" cy="144016"/>
+          </a:xfrm>
+          <a:prstGeom prst="rect">
+            <a:avLst/>
+          </a:prstGeom>
+          <a:solidFill>
+            <a:srgbClr val="C00000"/>
+          </a:solidFill>
+          <a:ln w="12700">
+            <a:solidFill>
+              <a:schemeClr val="tx1"/>
+            </a:solidFill>
+          </a:ln>
+        </p:spPr>
+        <p:style>
+          <a:lnRef idx="2">
+            <a:schemeClr val="accent1">
+              <a:shade val="50000"/>
+            </a:schemeClr>
+          </a:lnRef>
+          <a:fillRef idx="1">
+            <a:schemeClr val="accent1"/>
+          </a:fillRef>
+          <a:effectRef idx="0">
+            <a:schemeClr val="accent1"/>
+          </a:effectRef>
+          <a:fontRef idx="minor">
+            <a:schemeClr val="lt1"/>
+          </a:fontRef>
+        </p:style>
+        <p:txBody>
+          <a:bodyPr rtlCol="0" anchor="ctr"/>
+          <a:lstStyle/>
+          <a:p>
+            <a:r>
+              <a:rPr lang="en-US" dirty="0" smtClean="0"/>
+              <a:t>1</a:t>
+            </a:r>
+            <a:endParaRPr lang="en-US" dirty="0"/>
+          </a:p>
+        </p:txBody>
+      </p:sp>
+      <p:sp>
+        <p:nvSpPr>
+          <p:cNvPr id="8" name="Rechteck 7"/>
+          <p:cNvSpPr/>
+          <p:nvPr/>
+        </p:nvSpPr>
+        <p:spPr>
+          <a:xfrm>
+            <a:off x="4171557" y="3433744"/>
+            <a:ext cx="1188132" cy="144016"/>
+          </a:xfrm>
+          <a:prstGeom prst="rect">
+            <a:avLst/>
+          </a:prstGeom>
+          <a:solidFill>
+            <a:schemeClr val="accent6">
+              <a:lumMod val="75000"/>
+            </a:schemeClr>
+          </a:solidFill>
+          <a:ln w="12700">
+            <a:solidFill>
+              <a:schemeClr val="tx1"/>
+            </a:solidFill>
+          </a:ln>
+        </p:spPr>
+        <p:style>
+          <a:lnRef idx="2">
+            <a:schemeClr val="accent1">
+              <a:shade val="50000"/>
+            </a:schemeClr>
+          </a:lnRef>
+          <a:fillRef idx="1">
+            <a:schemeClr val="accent1"/>
+          </a:fillRef>
+          <a:effectRef idx="0">
+            <a:schemeClr val="accent1"/>
+          </a:effectRef>
+          <a:fontRef idx="minor">
+            <a:schemeClr val="lt1"/>
+          </a:fontRef>
+        </p:style>
+        <p:txBody>
+          <a:bodyPr rtlCol="0" anchor="ctr"/>
+          <a:lstStyle/>
+          <a:p>
+            <a:r>
+              <a:rPr lang="en-US" dirty="0" smtClean="0"/>
+              <a:t>2</a:t>
+            </a:r>
+            <a:endParaRPr lang="en-US" dirty="0"/>
+          </a:p>
+        </p:txBody>
+      </p:sp>
+      <p:sp>
+        <p:nvSpPr>
+          <p:cNvPr id="9" name="Rechteck 8"/>
+          <p:cNvSpPr/>
+          <p:nvPr/>
+        </p:nvSpPr>
+        <p:spPr>
+          <a:xfrm>
+            <a:off x="7123885" y="3433744"/>
+            <a:ext cx="1188132" cy="144016"/>
+          </a:xfrm>
+          <a:prstGeom prst="rect">
+            <a:avLst/>
+          </a:prstGeom>
+          <a:noFill/>
+          <a:ln w="12700">
+            <a:solidFill>
+              <a:schemeClr val="tx1"/>
+            </a:solidFill>
+          </a:ln>
+        </p:spPr>
+        <p:style>
+          <a:lnRef idx="2">
+            <a:schemeClr val="accent1">
+              <a:shade val="50000"/>
+            </a:schemeClr>
+          </a:lnRef>
+          <a:fillRef idx="1">
+            <a:schemeClr val="accent1"/>
+          </a:fillRef>
+          <a:effectRef idx="0">
+            <a:schemeClr val="accent1"/>
+          </a:effectRef>
+          <a:fontRef idx="minor">
+            <a:schemeClr val="lt1"/>
+          </a:fontRef>
+        </p:style>
+        <p:txBody>
+          <a:bodyPr rtlCol="0" anchor="ctr"/>
+          <a:lstStyle/>
+          <a:p>
+            <a:r>
+              <a:rPr lang="en-US" dirty="0" smtClean="0"/>
+              <a:t>3</a:t>
+            </a:r>
+            <a:endParaRPr lang="en-US" dirty="0"/>
+          </a:p>
+        </p:txBody>
+      </p:sp>
+      <p:sp>
+        <p:nvSpPr>
+          <p:cNvPr id="10" name="Rechteck 9"/>
+          <p:cNvSpPr/>
+          <p:nvPr/>
+        </p:nvSpPr>
+        <p:spPr>
+          <a:xfrm>
+            <a:off x="907955" y="3840640"/>
+            <a:ext cx="2448272" cy="152400"/>
+          </a:xfrm>
+          <a:prstGeom prst="rect">
+            <a:avLst/>
+          </a:prstGeom>
+          <a:solidFill>
+            <a:srgbClr val="00B050"/>
+          </a:solidFill>
+          <a:ln w="12700">
+            <a:solidFill>
+              <a:schemeClr val="tx1"/>
+            </a:solidFill>
+          </a:ln>
+        </p:spPr>
+        <p:style>
+          <a:lnRef idx="2">
+            <a:schemeClr val="accent1">
+              <a:shade val="50000"/>
+            </a:schemeClr>
+          </a:lnRef>
+          <a:fillRef idx="1">
+            <a:schemeClr val="accent1"/>
+          </a:fillRef>
+          <a:effectRef idx="0">
+            <a:schemeClr val="accent1"/>
+          </a:effectRef>
+          <a:fontRef idx="minor">
+            <a:schemeClr val="lt1"/>
+          </a:fontRef>
+        </p:style>
+        <p:txBody>
+          <a:bodyPr rtlCol="0" anchor="ctr"/>
+          <a:lstStyle/>
+          <a:p>
+            <a:r>
+              <a:rPr lang="en-US" dirty="0" smtClean="0"/>
+              <a:t>1</a:t>
+            </a:r>
+            <a:endParaRPr lang="en-US" dirty="0"/>
+          </a:p>
+        </p:txBody>
+      </p:sp>
+      <p:sp>
+        <p:nvSpPr>
+          <p:cNvPr id="11" name="Rechteck 10"/>
+          <p:cNvSpPr/>
+          <p:nvPr/>
+        </p:nvSpPr>
+        <p:spPr>
+          <a:xfrm>
+            <a:off x="5670101" y="3840640"/>
+            <a:ext cx="854478" cy="152400"/>
+          </a:xfrm>
+          <a:prstGeom prst="rect">
+            <a:avLst/>
+          </a:prstGeom>
+          <a:solidFill>
+            <a:srgbClr val="00B050"/>
+          </a:solidFill>
+          <a:ln w="12700">
+            <a:solidFill>
+              <a:schemeClr val="tx1"/>
+            </a:solidFill>
+          </a:ln>
+        </p:spPr>
+        <p:style>
+          <a:lnRef idx="2">
+            <a:schemeClr val="accent1">
+              <a:shade val="50000"/>
+            </a:schemeClr>
+          </a:lnRef>
+          <a:fillRef idx="1">
+            <a:schemeClr val="accent1"/>
+          </a:fillRef>
+          <a:effectRef idx="0">
+            <a:schemeClr val="accent1"/>
+          </a:effectRef>
+          <a:fontRef idx="minor">
+            <a:schemeClr val="lt1"/>
+          </a:fontRef>
+        </p:style>
+        <p:txBody>
+          <a:bodyPr rtlCol="0" anchor="ctr"/>
+          <a:lstStyle/>
+          <a:p>
+            <a:r>
+              <a:rPr lang="en-US" dirty="0" smtClean="0"/>
+              <a:t>2</a:t>
+            </a:r>
+            <a:endParaRPr lang="en-US" dirty="0"/>
+          </a:p>
+        </p:txBody>
+      </p:sp>
+      <p:sp>
+        <p:nvSpPr>
+          <p:cNvPr id="12" name="Rechteck 11"/>
+          <p:cNvSpPr/>
+          <p:nvPr/>
+        </p:nvSpPr>
+        <p:spPr>
+          <a:xfrm>
+            <a:off x="6920623" y="3840640"/>
+            <a:ext cx="2196244" cy="144016"/>
+          </a:xfrm>
+          <a:prstGeom prst="rect">
+            <a:avLst/>
+          </a:prstGeom>
+          <a:solidFill>
+            <a:srgbClr val="00B050"/>
+          </a:solidFill>
+          <a:ln w="12700">
+            <a:solidFill>
+              <a:schemeClr val="tx1"/>
+            </a:solidFill>
+          </a:ln>
+        </p:spPr>
+        <p:style>
+          <a:lnRef idx="2">
+            <a:schemeClr val="accent1">
+              <a:shade val="50000"/>
+            </a:schemeClr>
+          </a:lnRef>
+          <a:fillRef idx="1">
+            <a:schemeClr val="accent1"/>
+          </a:fillRef>
+          <a:effectRef idx="0">
+            <a:schemeClr val="accent1"/>
+          </a:effectRef>
+          <a:fontRef idx="minor">
+            <a:schemeClr val="lt1"/>
+          </a:fontRef>
+        </p:style>
+        <p:txBody>
+          <a:bodyPr rtlCol="0" anchor="ctr"/>
+          <a:lstStyle/>
+          <a:p>
+            <a:r>
+              <a:rPr lang="en-US" dirty="0" smtClean="0"/>
+              <a:t>3</a:t>
+            </a:r>
+            <a:endParaRPr lang="en-US" dirty="0"/>
+          </a:p>
+        </p:txBody>
+      </p:sp>
+      <p:sp>
+        <p:nvSpPr>
+          <p:cNvPr id="13" name="Rechteck 12"/>
+          <p:cNvSpPr/>
+          <p:nvPr/>
+        </p:nvSpPr>
+        <p:spPr>
+          <a:xfrm>
+            <a:off x="907955" y="3993040"/>
+            <a:ext cx="2448272" cy="152400"/>
+          </a:xfrm>
+          <a:prstGeom prst="rect">
+            <a:avLst/>
+          </a:prstGeom>
+          <a:solidFill>
+            <a:srgbClr val="C00000"/>
+          </a:solidFill>
+          <a:ln w="12700">
+            <a:solidFill>
+              <a:schemeClr val="tx1"/>
+            </a:solidFill>
+          </a:ln>
+        </p:spPr>
+        <p:style>
+          <a:lnRef idx="2">
+            <a:schemeClr val="accent1">
+              <a:shade val="50000"/>
+            </a:schemeClr>
+          </a:lnRef>
+          <a:fillRef idx="1">
+            <a:schemeClr val="accent1"/>
+          </a:fillRef>
+          <a:effectRef idx="0">
+            <a:schemeClr val="accent1"/>
+          </a:effectRef>
+          <a:fontRef idx="minor">
+            <a:schemeClr val="lt1"/>
+          </a:fontRef>
+        </p:style>
+        <p:txBody>
+          <a:bodyPr rtlCol="0" anchor="ctr"/>
+          <a:lstStyle/>
+          <a:p>
+            <a:r>
+              <a:rPr lang="en-US" dirty="0" smtClean="0"/>
+              <a:t>1</a:t>
+            </a:r>
+            <a:endParaRPr lang="en-US" dirty="0"/>
+          </a:p>
+        </p:txBody>
+      </p:sp>
+      <p:sp>
+        <p:nvSpPr>
+          <p:cNvPr id="14" name="Rechteck 13"/>
+          <p:cNvSpPr/>
+          <p:nvPr/>
+        </p:nvSpPr>
+        <p:spPr>
+          <a:xfrm>
+            <a:off x="5670101" y="3993040"/>
+            <a:ext cx="854478" cy="152400"/>
+          </a:xfrm>
+          <a:prstGeom prst="rect">
+            <a:avLst/>
+          </a:prstGeom>
+          <a:solidFill>
+            <a:schemeClr val="accent6">
+              <a:lumMod val="75000"/>
+            </a:schemeClr>
+          </a:solidFill>
+          <a:ln w="12700">
+            <a:solidFill>
+              <a:schemeClr val="tx1"/>
+            </a:solidFill>
+          </a:ln>
+        </p:spPr>
+        <p:style>
+          <a:lnRef idx="2">
+            <a:schemeClr val="accent1">
+              <a:shade val="50000"/>
+            </a:schemeClr>
+          </a:lnRef>
+          <a:fillRef idx="1">
+            <a:schemeClr val="accent1"/>
+          </a:fillRef>
+          <a:effectRef idx="0">
+            <a:schemeClr val="accent1"/>
+          </a:effectRef>
+          <a:fontRef idx="minor">
+            <a:schemeClr val="lt1"/>
+          </a:fontRef>
+        </p:style>
+        <p:txBody>
+          <a:bodyPr rtlCol="0" anchor="ctr"/>
+          <a:lstStyle/>
+          <a:p>
+            <a:r>
+              <a:rPr lang="en-US" dirty="0" smtClean="0"/>
+              <a:t>2</a:t>
+            </a:r>
+            <a:endParaRPr lang="en-US" dirty="0"/>
+          </a:p>
+        </p:txBody>
+      </p:sp>
+      <p:sp>
+        <p:nvSpPr>
+          <p:cNvPr id="15" name="Rechteck 14"/>
+          <p:cNvSpPr/>
+          <p:nvPr/>
+        </p:nvSpPr>
+        <p:spPr>
+          <a:xfrm>
+            <a:off x="6920623" y="3993040"/>
+            <a:ext cx="2196244" cy="144016"/>
+          </a:xfrm>
+          <a:prstGeom prst="rect">
+            <a:avLst/>
+          </a:prstGeom>
+          <a:solidFill>
+            <a:srgbClr val="C00000"/>
+          </a:solidFill>
+          <a:ln w="12700">
+            <a:solidFill>
+              <a:schemeClr val="tx1"/>
+            </a:solidFill>
+          </a:ln>
+        </p:spPr>
+        <p:style>
+          <a:lnRef idx="2">
+            <a:schemeClr val="accent1">
+              <a:shade val="50000"/>
+            </a:schemeClr>
+          </a:lnRef>
+          <a:fillRef idx="1">
+            <a:schemeClr val="accent1"/>
+          </a:fillRef>
+          <a:effectRef idx="0">
+            <a:schemeClr val="accent1"/>
+          </a:effectRef>
+          <a:fontRef idx="minor">
+            <a:schemeClr val="lt1"/>
+          </a:fontRef>
+        </p:style>
+        <p:txBody>
+          <a:bodyPr rtlCol="0" anchor="ctr"/>
+          <a:lstStyle/>
+          <a:p>
+            <a:r>
+              <a:rPr lang="en-US" dirty="0" smtClean="0"/>
+              <a:t>3</a:t>
+            </a:r>
+            <a:endParaRPr lang="en-US" dirty="0"/>
+          </a:p>
+        </p:txBody>
+      </p:sp>
+      <p:sp>
+        <p:nvSpPr>
+          <p:cNvPr id="16" name="Rechteck 15"/>
+          <p:cNvSpPr/>
+          <p:nvPr/>
+        </p:nvSpPr>
+        <p:spPr>
+          <a:xfrm>
+            <a:off x="907955" y="4433472"/>
+            <a:ext cx="8208912" cy="152400"/>
+          </a:xfrm>
+          <a:prstGeom prst="rect">
+            <a:avLst/>
+          </a:prstGeom>
+          <a:solidFill>
+            <a:srgbClr val="00B050"/>
+          </a:solidFill>
+          <a:ln w="12700">
+            <a:solidFill>
+              <a:schemeClr val="tx1"/>
+            </a:solidFill>
+          </a:ln>
+        </p:spPr>
+        <p:style>
+          <a:lnRef idx="2">
+            <a:schemeClr val="accent1">
+              <a:shade val="50000"/>
+            </a:schemeClr>
+          </a:lnRef>
+          <a:fillRef idx="1">
+            <a:schemeClr val="accent1"/>
+          </a:fillRef>
+          <a:effectRef idx="0">
+            <a:schemeClr val="accent1"/>
+          </a:effectRef>
+          <a:fontRef idx="minor">
+            <a:schemeClr val="lt1"/>
+          </a:fontRef>
+        </p:style>
+        <p:txBody>
+          <a:bodyPr rtlCol="0" anchor="ctr"/>
+          <a:lstStyle/>
+          <a:p>
+            <a:r>
+              <a:rPr lang="en-US" dirty="0" smtClean="0"/>
+              <a:t>1</a:t>
+            </a:r>
+            <a:endParaRPr lang="en-US" dirty="0"/>
+          </a:p>
+        </p:txBody>
+      </p:sp>
+      <p:sp>
+        <p:nvSpPr>
+          <p:cNvPr id="17" name="Rechteck 16"/>
+          <p:cNvSpPr/>
+          <p:nvPr/>
+        </p:nvSpPr>
+        <p:spPr>
+          <a:xfrm>
+            <a:off x="517513" y="3776108"/>
+            <a:ext cx="413896" cy="369332"/>
+          </a:xfrm>
+          <a:prstGeom prst="rect">
+            <a:avLst/>
+          </a:prstGeom>
+        </p:spPr>
+        <p:txBody>
+          <a:bodyPr wrap="none">
+            <a:spAutoFit/>
+          </a:bodyPr>
+          <a:lstStyle/>
+          <a:p>
+            <a:pPr algn="r"/>
+            <a:r>
+              <a:rPr lang="en-US" dirty="0" smtClean="0"/>
+              <a:t>E4</a:t>
+            </a:r>
+            <a:endParaRPr lang="en-US" dirty="0"/>
+          </a:p>
+        </p:txBody>
+      </p:sp>
+      <p:sp>
+        <p:nvSpPr>
+          <p:cNvPr id="18" name="Rechteck 17"/>
+          <p:cNvSpPr/>
+          <p:nvPr/>
+        </p:nvSpPr>
+        <p:spPr>
+          <a:xfrm>
+            <a:off x="263149" y="3209336"/>
+            <a:ext cx="668260" cy="369332"/>
+          </a:xfrm>
+          <a:prstGeom prst="rect">
+            <a:avLst/>
+          </a:prstGeom>
+        </p:spPr>
+        <p:txBody>
+          <a:bodyPr wrap="none">
+            <a:spAutoFit/>
+          </a:bodyPr>
+          <a:lstStyle/>
+          <a:p>
+            <a:pPr algn="r"/>
+            <a:r>
+              <a:rPr lang="en-US" dirty="0" err="1" smtClean="0"/>
+              <a:t>zmax</a:t>
+            </a:r>
+            <a:endParaRPr lang="en-US" dirty="0"/>
+          </a:p>
+        </p:txBody>
+      </p:sp>
+      <p:sp>
+        <p:nvSpPr>
+          <p:cNvPr id="19" name="Rechteck 18"/>
+          <p:cNvSpPr/>
+          <p:nvPr/>
+        </p:nvSpPr>
+        <p:spPr>
+          <a:xfrm>
+            <a:off x="-28149" y="4289456"/>
+            <a:ext cx="959558" cy="369332"/>
+          </a:xfrm>
+          <a:prstGeom prst="rect">
+            <a:avLst/>
+          </a:prstGeom>
+        </p:spPr>
+        <p:txBody>
+          <a:bodyPr wrap="none">
+            <a:spAutoFit/>
+          </a:bodyPr>
+          <a:lstStyle/>
+          <a:p>
+            <a:pPr algn="r"/>
+            <a:r>
+              <a:rPr lang="en-US" dirty="0" err="1" smtClean="0"/>
+              <a:t>activPAL</a:t>
+            </a:r>
+            <a:endParaRPr lang="en-US" dirty="0"/>
+          </a:p>
+        </p:txBody>
+      </p:sp>
+      <p:sp>
+        <p:nvSpPr>
+          <p:cNvPr id="38" name="Rechteck 37"/>
+          <p:cNvSpPr/>
+          <p:nvPr/>
+        </p:nvSpPr>
+        <p:spPr>
+          <a:xfrm>
+            <a:off x="935088" y="4854231"/>
+            <a:ext cx="45719" cy="152400"/>
+          </a:xfrm>
+          <a:prstGeom prst="rect">
+            <a:avLst/>
+          </a:prstGeom>
+          <a:solidFill>
+            <a:srgbClr val="0070C0"/>
+          </a:solidFill>
+          <a:ln>
+            <a:noFill/>
+          </a:ln>
+        </p:spPr>
+        <p:style>
+          <a:lnRef idx="2">
+            <a:schemeClr val="accent1">
+              <a:shade val="50000"/>
+            </a:schemeClr>
+          </a:lnRef>
+          <a:fillRef idx="1">
+            <a:schemeClr val="accent1"/>
+          </a:fillRef>
+          <a:effectRef idx="0">
+            <a:schemeClr val="accent1"/>
+          </a:effectRef>
+          <a:fontRef idx="minor">
+            <a:schemeClr val="lt1"/>
+          </a:fontRef>
+        </p:style>
+        <p:txBody>
+          <a:bodyPr rtlCol="0" anchor="ctr"/>
+          <a:lstStyle/>
+          <a:p>
+            <a:pPr algn="ctr"/>
+            <a:endParaRPr lang="en-US" dirty="0"/>
+          </a:p>
+        </p:txBody>
+      </p:sp>
+      <p:sp>
+        <p:nvSpPr>
+          <p:cNvPr id="39" name="Rechteck 38"/>
+          <p:cNvSpPr/>
+          <p:nvPr/>
+        </p:nvSpPr>
+        <p:spPr>
+          <a:xfrm>
+            <a:off x="384116" y="4725144"/>
+            <a:ext cx="538930" cy="369332"/>
+          </a:xfrm>
+          <a:prstGeom prst="rect">
+            <a:avLst/>
+          </a:prstGeom>
+        </p:spPr>
+        <p:txBody>
+          <a:bodyPr wrap="none">
+            <a:spAutoFit/>
+          </a:bodyPr>
+          <a:lstStyle/>
+          <a:p>
+            <a:pPr algn="r"/>
+            <a:r>
+              <a:rPr lang="en-US" dirty="0" smtClean="0"/>
+              <a:t>app</a:t>
+            </a:r>
+            <a:endParaRPr lang="en-US" dirty="0"/>
+          </a:p>
+        </p:txBody>
+      </p:sp>
+      <p:sp>
+        <p:nvSpPr>
+          <p:cNvPr id="41" name="Rechteck 40"/>
+          <p:cNvSpPr/>
+          <p:nvPr/>
+        </p:nvSpPr>
+        <p:spPr>
+          <a:xfrm>
+            <a:off x="2411760" y="4854231"/>
+            <a:ext cx="45719" cy="152400"/>
+          </a:xfrm>
+          <a:prstGeom prst="rect">
+            <a:avLst/>
+          </a:prstGeom>
+          <a:solidFill>
+            <a:srgbClr val="0070C0"/>
+          </a:solidFill>
+          <a:ln>
+            <a:noFill/>
+          </a:ln>
+        </p:spPr>
+        <p:style>
+          <a:lnRef idx="2">
+            <a:schemeClr val="accent1">
+              <a:shade val="50000"/>
+            </a:schemeClr>
+          </a:lnRef>
+          <a:fillRef idx="1">
+            <a:schemeClr val="accent1"/>
+          </a:fillRef>
+          <a:effectRef idx="0">
+            <a:schemeClr val="accent1"/>
+          </a:effectRef>
+          <a:fontRef idx="minor">
+            <a:schemeClr val="lt1"/>
+          </a:fontRef>
+        </p:style>
+        <p:txBody>
+          <a:bodyPr rtlCol="0" anchor="ctr"/>
+          <a:lstStyle/>
+          <a:p>
+            <a:pPr algn="ctr"/>
+            <a:endParaRPr lang="en-US" dirty="0"/>
+          </a:p>
+        </p:txBody>
+      </p:sp>
+      <p:sp>
+        <p:nvSpPr>
+          <p:cNvPr id="42" name="Rechteck 41"/>
+          <p:cNvSpPr/>
+          <p:nvPr/>
+        </p:nvSpPr>
+        <p:spPr>
+          <a:xfrm>
+            <a:off x="2699792" y="4854231"/>
+            <a:ext cx="45719" cy="152400"/>
+          </a:xfrm>
+          <a:prstGeom prst="rect">
+            <a:avLst/>
+          </a:prstGeom>
+          <a:solidFill>
+            <a:srgbClr val="0070C0"/>
+          </a:solidFill>
+          <a:ln>
+            <a:noFill/>
+          </a:ln>
+        </p:spPr>
+        <p:style>
+          <a:lnRef idx="2">
+            <a:schemeClr val="accent1">
+              <a:shade val="50000"/>
+            </a:schemeClr>
+          </a:lnRef>
+          <a:fillRef idx="1">
+            <a:schemeClr val="accent1"/>
+          </a:fillRef>
+          <a:effectRef idx="0">
+            <a:schemeClr val="accent1"/>
+          </a:effectRef>
+          <a:fontRef idx="minor">
+            <a:schemeClr val="lt1"/>
+          </a:fontRef>
+        </p:style>
+        <p:txBody>
+          <a:bodyPr rtlCol="0" anchor="ctr"/>
+          <a:lstStyle/>
+          <a:p>
+            <a:pPr algn="ctr"/>
+            <a:endParaRPr lang="en-US" dirty="0"/>
+          </a:p>
+        </p:txBody>
+      </p:sp>
+      <p:sp>
+        <p:nvSpPr>
+          <p:cNvPr id="43" name="Rechteck 42"/>
+          <p:cNvSpPr/>
+          <p:nvPr/>
+        </p:nvSpPr>
+        <p:spPr>
+          <a:xfrm>
+            <a:off x="2987824" y="4854231"/>
+            <a:ext cx="45719" cy="152400"/>
+          </a:xfrm>
+          <a:prstGeom prst="rect">
+            <a:avLst/>
+          </a:prstGeom>
+          <a:solidFill>
+            <a:srgbClr val="0070C0"/>
+          </a:solidFill>
+          <a:ln>
+            <a:noFill/>
+          </a:ln>
+        </p:spPr>
+        <p:style>
+          <a:lnRef idx="2">
+            <a:schemeClr val="accent1">
+              <a:shade val="50000"/>
+            </a:schemeClr>
+          </a:lnRef>
+          <a:fillRef idx="1">
+            <a:schemeClr val="accent1"/>
+          </a:fillRef>
+          <a:effectRef idx="0">
+            <a:schemeClr val="accent1"/>
+          </a:effectRef>
+          <a:fontRef idx="minor">
+            <a:schemeClr val="lt1"/>
+          </a:fontRef>
+        </p:style>
+        <p:txBody>
+          <a:bodyPr rtlCol="0" anchor="ctr"/>
+          <a:lstStyle/>
+          <a:p>
+            <a:pPr algn="ctr"/>
+            <a:endParaRPr lang="en-US" dirty="0"/>
+          </a:p>
+        </p:txBody>
+      </p:sp>
+      <p:sp>
+        <p:nvSpPr>
+          <p:cNvPr id="44" name="Rechteck 43"/>
+          <p:cNvSpPr/>
+          <p:nvPr/>
+        </p:nvSpPr>
+        <p:spPr>
+          <a:xfrm>
+            <a:off x="3310508" y="4854231"/>
+            <a:ext cx="45719" cy="152400"/>
+          </a:xfrm>
+          <a:prstGeom prst="rect">
+            <a:avLst/>
+          </a:prstGeom>
+          <a:solidFill>
+            <a:srgbClr val="0070C0"/>
+          </a:solidFill>
+          <a:ln>
+            <a:noFill/>
+          </a:ln>
+        </p:spPr>
+        <p:style>
+          <a:lnRef idx="2">
+            <a:schemeClr val="accent1">
+              <a:shade val="50000"/>
+            </a:schemeClr>
+          </a:lnRef>
+          <a:fillRef idx="1">
+            <a:schemeClr val="accent1"/>
+          </a:fillRef>
+          <a:effectRef idx="0">
+            <a:schemeClr val="accent1"/>
+          </a:effectRef>
+          <a:fontRef idx="minor">
+            <a:schemeClr val="lt1"/>
+          </a:fontRef>
+        </p:style>
+        <p:txBody>
+          <a:bodyPr rtlCol="0" anchor="ctr"/>
+          <a:lstStyle/>
+          <a:p>
+            <a:pPr algn="ctr"/>
+            <a:endParaRPr lang="en-US" dirty="0"/>
+          </a:p>
+        </p:txBody>
+      </p:sp>
+      <p:sp>
+        <p:nvSpPr>
+          <p:cNvPr id="45" name="Rechteck 44"/>
+          <p:cNvSpPr/>
+          <p:nvPr/>
+        </p:nvSpPr>
+        <p:spPr>
+          <a:xfrm>
+            <a:off x="4499992" y="4854231"/>
+            <a:ext cx="45719" cy="152400"/>
+          </a:xfrm>
+          <a:prstGeom prst="rect">
+            <a:avLst/>
+          </a:prstGeom>
+          <a:solidFill>
+            <a:srgbClr val="0070C0"/>
+          </a:solidFill>
+          <a:ln>
+            <a:noFill/>
+          </a:ln>
+        </p:spPr>
+        <p:style>
+          <a:lnRef idx="2">
+            <a:schemeClr val="accent1">
+              <a:shade val="50000"/>
+            </a:schemeClr>
+          </a:lnRef>
+          <a:fillRef idx="1">
+            <a:schemeClr val="accent1"/>
+          </a:fillRef>
+          <a:effectRef idx="0">
+            <a:schemeClr val="accent1"/>
+          </a:effectRef>
+          <a:fontRef idx="minor">
+            <a:schemeClr val="lt1"/>
+          </a:fontRef>
+        </p:style>
+        <p:txBody>
+          <a:bodyPr rtlCol="0" anchor="ctr"/>
+          <a:lstStyle/>
+          <a:p>
+            <a:pPr algn="ctr"/>
+            <a:endParaRPr lang="en-US" dirty="0"/>
+          </a:p>
+        </p:txBody>
+      </p:sp>
+      <p:sp>
+        <p:nvSpPr>
+          <p:cNvPr id="46" name="Rechteck 45"/>
+          <p:cNvSpPr/>
+          <p:nvPr/>
+        </p:nvSpPr>
+        <p:spPr>
+          <a:xfrm>
+            <a:off x="5508104" y="4854231"/>
+            <a:ext cx="45719" cy="152400"/>
+          </a:xfrm>
+          <a:prstGeom prst="rect">
+            <a:avLst/>
+          </a:prstGeom>
+          <a:solidFill>
+            <a:srgbClr val="0070C0"/>
+          </a:solidFill>
+          <a:ln>
+            <a:noFill/>
+          </a:ln>
+        </p:spPr>
+        <p:style>
+          <a:lnRef idx="2">
+            <a:schemeClr val="accent1">
+              <a:shade val="50000"/>
+            </a:schemeClr>
+          </a:lnRef>
+          <a:fillRef idx="1">
+            <a:schemeClr val="accent1"/>
+          </a:fillRef>
+          <a:effectRef idx="0">
+            <a:schemeClr val="accent1"/>
+          </a:effectRef>
+          <a:fontRef idx="minor">
+            <a:schemeClr val="lt1"/>
+          </a:fontRef>
+        </p:style>
+        <p:txBody>
+          <a:bodyPr rtlCol="0" anchor="ctr"/>
+          <a:lstStyle/>
+          <a:p>
+            <a:pPr algn="ctr"/>
+            <a:endParaRPr lang="en-US" dirty="0"/>
+          </a:p>
+        </p:txBody>
+      </p:sp>
+      <p:sp>
+        <p:nvSpPr>
+          <p:cNvPr id="47" name="Rechteck 46"/>
+          <p:cNvSpPr/>
+          <p:nvPr/>
+        </p:nvSpPr>
+        <p:spPr>
+          <a:xfrm>
+            <a:off x="5940152" y="4854231"/>
+            <a:ext cx="45719" cy="152400"/>
+          </a:xfrm>
+          <a:prstGeom prst="rect">
+            <a:avLst/>
+          </a:prstGeom>
+          <a:solidFill>
+            <a:srgbClr val="0070C0"/>
+          </a:solidFill>
+          <a:ln>
+            <a:noFill/>
+          </a:ln>
+        </p:spPr>
+        <p:style>
+          <a:lnRef idx="2">
+            <a:schemeClr val="accent1">
+              <a:shade val="50000"/>
+            </a:schemeClr>
+          </a:lnRef>
+          <a:fillRef idx="1">
+            <a:schemeClr val="accent1"/>
+          </a:fillRef>
+          <a:effectRef idx="0">
+            <a:schemeClr val="accent1"/>
+          </a:effectRef>
+          <a:fontRef idx="minor">
+            <a:schemeClr val="lt1"/>
+          </a:fontRef>
+        </p:style>
+        <p:txBody>
+          <a:bodyPr rtlCol="0" anchor="ctr"/>
+          <a:lstStyle/>
+          <a:p>
+            <a:pPr algn="ctr"/>
+            <a:endParaRPr lang="en-US" dirty="0"/>
+          </a:p>
+        </p:txBody>
+      </p:sp>
+      <p:sp>
+        <p:nvSpPr>
+          <p:cNvPr id="48" name="Rechteck 47"/>
+          <p:cNvSpPr/>
+          <p:nvPr/>
+        </p:nvSpPr>
+        <p:spPr>
+          <a:xfrm>
+            <a:off x="6300192" y="4854231"/>
+            <a:ext cx="45719" cy="152400"/>
+          </a:xfrm>
+          <a:prstGeom prst="rect">
+            <a:avLst/>
+          </a:prstGeom>
+          <a:solidFill>
+            <a:srgbClr val="0070C0"/>
+          </a:solidFill>
+          <a:ln>
+            <a:noFill/>
+          </a:ln>
+        </p:spPr>
+        <p:style>
+          <a:lnRef idx="2">
+            <a:schemeClr val="accent1">
+              <a:shade val="50000"/>
+            </a:schemeClr>
+          </a:lnRef>
+          <a:fillRef idx="1">
+            <a:schemeClr val="accent1"/>
+          </a:fillRef>
+          <a:effectRef idx="0">
+            <a:schemeClr val="accent1"/>
+          </a:effectRef>
+          <a:fontRef idx="minor">
+            <a:schemeClr val="lt1"/>
+          </a:fontRef>
+        </p:style>
+        <p:txBody>
+          <a:bodyPr rtlCol="0" anchor="ctr"/>
+          <a:lstStyle/>
+          <a:p>
+            <a:pPr algn="ctr"/>
+            <a:endParaRPr lang="en-US" dirty="0"/>
+          </a:p>
+        </p:txBody>
+      </p:sp>
+      <p:sp>
+        <p:nvSpPr>
+          <p:cNvPr id="49" name="Rechteck 48"/>
+          <p:cNvSpPr/>
+          <p:nvPr/>
+        </p:nvSpPr>
+        <p:spPr>
+          <a:xfrm>
+            <a:off x="6660232" y="4854231"/>
+            <a:ext cx="45719" cy="152400"/>
+          </a:xfrm>
+          <a:prstGeom prst="rect">
+            <a:avLst/>
+          </a:prstGeom>
+          <a:solidFill>
+            <a:srgbClr val="0070C0"/>
+          </a:solidFill>
+          <a:ln>
+            <a:noFill/>
+          </a:ln>
+        </p:spPr>
+        <p:style>
+          <a:lnRef idx="2">
+            <a:schemeClr val="accent1">
+              <a:shade val="50000"/>
+            </a:schemeClr>
+          </a:lnRef>
+          <a:fillRef idx="1">
+            <a:schemeClr val="accent1"/>
+          </a:fillRef>
+          <a:effectRef idx="0">
+            <a:schemeClr val="accent1"/>
+          </a:effectRef>
+          <a:fontRef idx="minor">
+            <a:schemeClr val="lt1"/>
+          </a:fontRef>
+        </p:style>
+        <p:txBody>
+          <a:bodyPr rtlCol="0" anchor="ctr"/>
+          <a:lstStyle/>
+          <a:p>
+            <a:pPr algn="ctr"/>
+            <a:endParaRPr lang="en-US" dirty="0"/>
+          </a:p>
+        </p:txBody>
+      </p:sp>
+      <p:sp>
+        <p:nvSpPr>
+          <p:cNvPr id="50" name="Rechteck 49"/>
+          <p:cNvSpPr/>
+          <p:nvPr/>
+        </p:nvSpPr>
+        <p:spPr>
+          <a:xfrm>
+            <a:off x="8748464" y="4854231"/>
+            <a:ext cx="45719" cy="152400"/>
+          </a:xfrm>
+          <a:prstGeom prst="rect">
+            <a:avLst/>
+          </a:prstGeom>
+          <a:solidFill>
+            <a:srgbClr val="0070C0"/>
+          </a:solidFill>
+          <a:ln>
+            <a:noFill/>
+          </a:ln>
+        </p:spPr>
+        <p:style>
+          <a:lnRef idx="2">
+            <a:schemeClr val="accent1">
+              <a:shade val="50000"/>
+            </a:schemeClr>
+          </a:lnRef>
+          <a:fillRef idx="1">
+            <a:schemeClr val="accent1"/>
+          </a:fillRef>
+          <a:effectRef idx="0">
+            <a:schemeClr val="accent1"/>
+          </a:effectRef>
+          <a:fontRef idx="minor">
+            <a:schemeClr val="lt1"/>
+          </a:fontRef>
+        </p:style>
+        <p:txBody>
+          <a:bodyPr rtlCol="0" anchor="ctr"/>
+          <a:lstStyle/>
+          <a:p>
+            <a:pPr algn="ctr"/>
+            <a:endParaRPr lang="en-US" dirty="0"/>
+          </a:p>
+        </p:txBody>
+      </p:sp>
+      <p:cxnSp>
+        <p:nvCxnSpPr>
+          <p:cNvPr id="52" name="Gerade Verbindung 51"/>
+          <p:cNvCxnSpPr/>
+          <p:nvPr/>
+        </p:nvCxnSpPr>
+        <p:spPr>
+          <a:xfrm>
+            <a:off x="1547664" y="3140968"/>
+            <a:ext cx="0" cy="2088232"/>
+          </a:xfrm>
+          <a:prstGeom prst="line">
+            <a:avLst/>
+          </a:prstGeom>
+          <a:ln w="12700">
+            <a:prstDash val="dash"/>
+          </a:ln>
+        </p:spPr>
+        <p:style>
+          <a:lnRef idx="1">
+            <a:schemeClr val="accent1"/>
+          </a:lnRef>
+          <a:fillRef idx="0">
+            <a:schemeClr val="accent1"/>
+          </a:fillRef>
+          <a:effectRef idx="0">
+            <a:schemeClr val="accent1"/>
+          </a:effectRef>
+          <a:fontRef idx="minor">
+            <a:schemeClr val="tx1"/>
+          </a:fontRef>
+        </p:style>
+      </p:cxnSp>
+      <p:cxnSp>
+        <p:nvCxnSpPr>
+          <p:cNvPr id="54" name="Gerade Verbindung 53"/>
+          <p:cNvCxnSpPr/>
+          <p:nvPr/>
+        </p:nvCxnSpPr>
+        <p:spPr>
+          <a:xfrm>
+            <a:off x="4644008" y="3140968"/>
+            <a:ext cx="0" cy="2088232"/>
+          </a:xfrm>
+          <a:prstGeom prst="line">
+            <a:avLst/>
+          </a:prstGeom>
+          <a:ln w="12700">
+            <a:prstDash val="dash"/>
+          </a:ln>
+        </p:spPr>
+        <p:style>
+          <a:lnRef idx="1">
+            <a:schemeClr val="accent1"/>
+          </a:lnRef>
+          <a:fillRef idx="0">
+            <a:schemeClr val="accent1"/>
+          </a:fillRef>
+          <a:effectRef idx="0">
+            <a:schemeClr val="accent1"/>
+          </a:effectRef>
+          <a:fontRef idx="minor">
+            <a:schemeClr val="tx1"/>
+          </a:fontRef>
+        </p:style>
+      </p:cxnSp>
+      <p:cxnSp>
+        <p:nvCxnSpPr>
+          <p:cNvPr id="55" name="Gerade Verbindung 54"/>
+          <p:cNvCxnSpPr/>
+          <p:nvPr/>
+        </p:nvCxnSpPr>
+        <p:spPr>
+          <a:xfrm>
+            <a:off x="7524328" y="3140968"/>
+            <a:ext cx="0" cy="2088232"/>
+          </a:xfrm>
+          <a:prstGeom prst="line">
+            <a:avLst/>
+          </a:prstGeom>
+          <a:ln w="12700">
+            <a:prstDash val="dash"/>
+          </a:ln>
+        </p:spPr>
+        <p:style>
+          <a:lnRef idx="1">
+            <a:schemeClr val="accent1"/>
+          </a:lnRef>
+          <a:fillRef idx="0">
+            <a:schemeClr val="accent1"/>
+          </a:fillRef>
+          <a:effectRef idx="0">
+            <a:schemeClr val="accent1"/>
+          </a:effectRef>
+          <a:fontRef idx="minor">
+            <a:schemeClr val="tx1"/>
+          </a:fontRef>
+        </p:style>
+      </p:cxnSp>
+      <p:sp>
+        <p:nvSpPr>
+          <p:cNvPr id="56" name="Rechteck 55"/>
+          <p:cNvSpPr/>
+          <p:nvPr/>
+        </p:nvSpPr>
+        <p:spPr>
+          <a:xfrm>
+            <a:off x="2300469" y="3282685"/>
+            <a:ext cx="110078" cy="144016"/>
+          </a:xfrm>
+          <a:prstGeom prst="rect">
+            <a:avLst/>
+          </a:prstGeom>
+          <a:solidFill>
+            <a:srgbClr val="00B050">
+              <a:alpha val="50196"/>
+            </a:srgbClr>
+          </a:solidFill>
+          <a:ln>
+            <a:noFill/>
+          </a:ln>
+        </p:spPr>
+        <p:style>
+          <a:lnRef idx="2">
+            <a:schemeClr val="accent1">
+              <a:shade val="50000"/>
+            </a:schemeClr>
+          </a:lnRef>
+          <a:fillRef idx="1">
+            <a:schemeClr val="accent1"/>
+          </a:fillRef>
+          <a:effectRef idx="0">
+            <a:schemeClr val="accent1"/>
+          </a:effectRef>
+          <a:fontRef idx="minor">
+            <a:schemeClr val="lt1"/>
+          </a:fontRef>
+        </p:style>
+        <p:txBody>
+          <a:bodyPr rtlCol="0" anchor="ctr"/>
+          <a:lstStyle/>
+          <a:p>
+            <a:endParaRPr lang="en-US" dirty="0"/>
+          </a:p>
+        </p:txBody>
+      </p:sp>
+      <p:sp>
+        <p:nvSpPr>
+          <p:cNvPr id="57" name="Rechteck 56"/>
+          <p:cNvSpPr/>
+          <p:nvPr/>
+        </p:nvSpPr>
+        <p:spPr>
+          <a:xfrm>
+            <a:off x="2301683" y="3433744"/>
+            <a:ext cx="110078" cy="144016"/>
+          </a:xfrm>
+          <a:prstGeom prst="rect">
+            <a:avLst/>
+          </a:prstGeom>
+          <a:solidFill>
+            <a:srgbClr val="C00000">
+              <a:alpha val="50196"/>
+            </a:srgbClr>
+          </a:solidFill>
+          <a:ln>
+            <a:noFill/>
+          </a:ln>
+        </p:spPr>
+        <p:style>
+          <a:lnRef idx="2">
+            <a:schemeClr val="accent1">
+              <a:shade val="50000"/>
+            </a:schemeClr>
+          </a:lnRef>
+          <a:fillRef idx="1">
+            <a:schemeClr val="accent1"/>
+          </a:fillRef>
+          <a:effectRef idx="0">
+            <a:schemeClr val="accent1"/>
+          </a:effectRef>
+          <a:fontRef idx="minor">
+            <a:schemeClr val="lt1"/>
+          </a:fontRef>
+        </p:style>
+        <p:txBody>
+          <a:bodyPr rtlCol="0" anchor="ctr"/>
+          <a:lstStyle/>
+          <a:p>
+            <a:endParaRPr lang="en-US" dirty="0"/>
+          </a:p>
+        </p:txBody>
+      </p:sp>
+      <p:sp>
+        <p:nvSpPr>
+          <p:cNvPr id="58" name="Rechteck 57"/>
+          <p:cNvSpPr/>
+          <p:nvPr/>
+        </p:nvSpPr>
+        <p:spPr>
+          <a:xfrm>
+            <a:off x="8201939" y="3279693"/>
+            <a:ext cx="110078" cy="144016"/>
+          </a:xfrm>
+          <a:prstGeom prst="rect">
+            <a:avLst/>
+          </a:prstGeom>
+          <a:solidFill>
+            <a:srgbClr val="00B050">
+              <a:alpha val="50196"/>
+            </a:srgbClr>
+          </a:solidFill>
+          <a:ln>
+            <a:noFill/>
+          </a:ln>
+        </p:spPr>
+        <p:style>
+          <a:lnRef idx="2">
+            <a:schemeClr val="accent1">
+              <a:shade val="50000"/>
+            </a:schemeClr>
+          </a:lnRef>
+          <a:fillRef idx="1">
+            <a:schemeClr val="accent1"/>
+          </a:fillRef>
+          <a:effectRef idx="0">
+            <a:schemeClr val="accent1"/>
+          </a:effectRef>
+          <a:fontRef idx="minor">
+            <a:schemeClr val="lt1"/>
+          </a:fontRef>
+        </p:style>
+        <p:txBody>
+          <a:bodyPr rtlCol="0" anchor="ctr"/>
+          <a:lstStyle/>
+          <a:p>
+            <a:endParaRPr lang="en-US" dirty="0"/>
+          </a:p>
+        </p:txBody>
+      </p:sp>
+      <p:sp>
+        <p:nvSpPr>
+          <p:cNvPr id="59" name="Rechteck 58"/>
+          <p:cNvSpPr/>
+          <p:nvPr/>
+        </p:nvSpPr>
+        <p:spPr>
+          <a:xfrm>
+            <a:off x="8203153" y="3430752"/>
+            <a:ext cx="110078" cy="144016"/>
+          </a:xfrm>
+          <a:prstGeom prst="rect">
+            <a:avLst/>
+          </a:prstGeom>
+          <a:solidFill>
+            <a:srgbClr val="C00000">
+              <a:alpha val="50196"/>
+            </a:srgbClr>
+          </a:solidFill>
+          <a:ln>
+            <a:noFill/>
+          </a:ln>
+        </p:spPr>
+        <p:style>
+          <a:lnRef idx="2">
+            <a:schemeClr val="accent1">
+              <a:shade val="50000"/>
+            </a:schemeClr>
+          </a:lnRef>
+          <a:fillRef idx="1">
+            <a:schemeClr val="accent1"/>
+          </a:fillRef>
+          <a:effectRef idx="0">
+            <a:schemeClr val="accent1"/>
+          </a:effectRef>
+          <a:fontRef idx="minor">
+            <a:schemeClr val="lt1"/>
+          </a:fontRef>
+        </p:style>
+        <p:txBody>
+          <a:bodyPr rtlCol="0" anchor="ctr"/>
+          <a:lstStyle/>
+          <a:p>
+            <a:endParaRPr lang="en-US" dirty="0"/>
+          </a:p>
+        </p:txBody>
+      </p:sp>
+      <p:sp>
+        <p:nvSpPr>
+          <p:cNvPr id="60" name="Rechteck 59"/>
+          <p:cNvSpPr/>
+          <p:nvPr/>
+        </p:nvSpPr>
+        <p:spPr>
+          <a:xfrm>
+            <a:off x="7125099" y="3286736"/>
+            <a:ext cx="1076840" cy="144016"/>
+          </a:xfrm>
+          <a:prstGeom prst="rect">
+            <a:avLst/>
+          </a:prstGeom>
+          <a:solidFill>
+            <a:srgbClr val="00B050"/>
+          </a:solidFill>
+          <a:ln w="12700">
+            <a:noFill/>
+          </a:ln>
+        </p:spPr>
+        <p:style>
+          <a:lnRef idx="2">
+            <a:schemeClr val="accent1">
+              <a:shade val="50000"/>
+            </a:schemeClr>
+          </a:lnRef>
+          <a:fillRef idx="1">
+            <a:schemeClr val="accent1"/>
+          </a:fillRef>
+          <a:effectRef idx="0">
+            <a:schemeClr val="accent1"/>
+          </a:effectRef>
+          <a:fontRef idx="minor">
+            <a:schemeClr val="lt1"/>
+          </a:fontRef>
+        </p:style>
+        <p:txBody>
+          <a:bodyPr rtlCol="0" anchor="ctr"/>
+          <a:lstStyle/>
+          <a:p>
+            <a:endParaRPr lang="en-US" dirty="0"/>
+          </a:p>
+        </p:txBody>
+      </p:sp>
+      <p:sp>
+        <p:nvSpPr>
+          <p:cNvPr id="61" name="Rechteck 60"/>
+          <p:cNvSpPr/>
+          <p:nvPr/>
+        </p:nvSpPr>
+        <p:spPr>
+          <a:xfrm>
+            <a:off x="7125099" y="3439136"/>
+            <a:ext cx="1076840" cy="144016"/>
+          </a:xfrm>
+          <a:prstGeom prst="rect">
+            <a:avLst/>
+          </a:prstGeom>
+          <a:solidFill>
+            <a:srgbClr val="C00000"/>
+          </a:solidFill>
+          <a:ln w="12700">
+            <a:noFill/>
+          </a:ln>
+        </p:spPr>
+        <p:style>
+          <a:lnRef idx="2">
+            <a:schemeClr val="accent1">
+              <a:shade val="50000"/>
+            </a:schemeClr>
+          </a:lnRef>
+          <a:fillRef idx="1">
+            <a:schemeClr val="accent1"/>
+          </a:fillRef>
+          <a:effectRef idx="0">
+            <a:schemeClr val="accent1"/>
+          </a:effectRef>
+          <a:fontRef idx="minor">
+            <a:schemeClr val="lt1"/>
+          </a:fontRef>
+        </p:style>
+        <p:txBody>
+          <a:bodyPr rtlCol="0" anchor="ctr"/>
+          <a:lstStyle/>
+          <a:p>
+            <a:endParaRPr lang="en-US" dirty="0"/>
           </a:p>
         </p:txBody>
       </p:sp>
     </p:spTree>
     <p:extLst>
       <p:ext uri="{BB962C8B-B14F-4D97-AF65-F5344CB8AC3E}">
-        <p14:creationId xmlns:p14="http://schemas.microsoft.com/office/powerpoint/2010/main" val="1738001626"/>
+        <p14:creationId xmlns:p14="http://schemas.microsoft.com/office/powerpoint/2010/main" val="223851053"/>
       </p:ext>
     </p:extLst>
   </p:cSld>
@@ -8441,12 +10137,14 @@
         </p:nvSpPr>
         <p:spPr/>
         <p:txBody>
-          <a:bodyPr/>
-          <a:lstStyle/>
-          <a:p>
-            <a:r>
-              <a:rPr lang="en-US" dirty="0" smtClean="0"/>
-              <a:t>Remaining issues</a:t>
+          <a:bodyPr>
+            <a:normAutofit fontScale="90000"/>
+          </a:bodyPr>
+          <a:lstStyle/>
+          <a:p>
+            <a:r>
+              <a:rPr lang="en-US" dirty="0" smtClean="0"/>
+              <a:t>step 6.4: optional, merge in a common data format all the data  </a:t>
             </a:r>
             <a:endParaRPr lang="en-US" dirty="0"/>
           </a:p>
@@ -8468,19 +10166,31 @@
           <a:lstStyle/>
           <a:p>
             <a:r>
-              <a:rPr lang="en-US" dirty="0" err="1" smtClean="0"/>
-              <a:t>Zmax</a:t>
-            </a:r>
-            <a:r>
-              <a:rPr lang="en-US" dirty="0" smtClean="0"/>
-              <a:t> original file attributes not available</a:t>
-            </a:r>
-          </a:p>
-          <a:p>
-            <a:pPr lvl="1"/>
-            <a:r>
-              <a:rPr lang="en-US" dirty="0" smtClean="0"/>
-              <a:t>Information lost? Storing of all file attributes of the micro SD card files?</a:t>
+              <a:rPr lang="en-US" dirty="0" smtClean="0"/>
+              <a:t>resample of the data to align with the reference time line?</a:t>
+            </a:r>
+            <a:br>
+              <a:rPr lang="en-US" dirty="0" smtClean="0"/>
+            </a:br>
+            <a:r>
+              <a:rPr lang="en-US" dirty="0" smtClean="0"/>
+              <a:t>costs a lot of computation and/or extra space</a:t>
+            </a:r>
+            <a:br>
+              <a:rPr lang="en-US" dirty="0" smtClean="0"/>
+            </a:br>
+            <a:r>
+              <a:rPr lang="en-US" dirty="0" smtClean="0"/>
+              <a:t>needed by researchers to have a common format beyond the preprocessed?</a:t>
+            </a:r>
+          </a:p>
+          <a:p>
+            <a:pPr marL="0" indent="0">
+              <a:buNone/>
+            </a:pPr>
+            <a:r>
+              <a:rPr lang="en-US" b="1" dirty="0" smtClean="0"/>
+              <a:t>status: not done</a:t>
             </a:r>
           </a:p>
         </p:txBody>
@@ -8488,7 +10198,7 @@
     </p:spTree>
     <p:extLst>
       <p:ext uri="{BB962C8B-B14F-4D97-AF65-F5344CB8AC3E}">
-        <p14:creationId xmlns:p14="http://schemas.microsoft.com/office/powerpoint/2010/main" val="3048206696"/>
+        <p14:creationId xmlns:p14="http://schemas.microsoft.com/office/powerpoint/2010/main" val="1738001626"/>
       </p:ext>
     </p:extLst>
   </p:cSld>
@@ -8525,21 +10235,14 @@
             <p:ph type="title"/>
           </p:nvPr>
         </p:nvSpPr>
-        <p:spPr>
-          <a:xfrm>
-            <a:off x="457200" y="116632"/>
-            <a:ext cx="8229600" cy="634082"/>
-          </a:xfrm>
-        </p:spPr>
-        <p:txBody>
-          <a:bodyPr>
-            <a:normAutofit fontScale="90000"/>
-          </a:bodyPr>
-          <a:lstStyle/>
-          <a:p>
-            <a:r>
-              <a:rPr lang="en-US" dirty="0" smtClean="0"/>
-              <a:t>HB root folder structure for wearables</a:t>
+        <p:spPr/>
+        <p:txBody>
+          <a:bodyPr/>
+          <a:lstStyle/>
+          <a:p>
+            <a:r>
+              <a:rPr lang="en-US" dirty="0" smtClean="0"/>
+              <a:t>Remaining issues</a:t>
             </a:r>
             <a:endParaRPr lang="en-US" dirty="0"/>
           </a:p>
@@ -8555,6 +10258,99 @@
             <p:ph idx="1"/>
           </p:nvPr>
         </p:nvSpPr>
+        <p:spPr/>
+        <p:txBody>
+          <a:bodyPr/>
+          <a:lstStyle/>
+          <a:p>
+            <a:r>
+              <a:rPr lang="en-US" dirty="0" err="1" smtClean="0"/>
+              <a:t>Zmax</a:t>
+            </a:r>
+            <a:r>
+              <a:rPr lang="en-US" dirty="0" smtClean="0"/>
+              <a:t> original file attributes not available</a:t>
+            </a:r>
+          </a:p>
+          <a:p>
+            <a:pPr lvl="1"/>
+            <a:r>
+              <a:rPr lang="en-US" dirty="0" smtClean="0"/>
+              <a:t>Information lost? Storing of all file attributes of the micro SD card files?</a:t>
+            </a:r>
+          </a:p>
+        </p:txBody>
+      </p:sp>
+    </p:spTree>
+    <p:extLst>
+      <p:ext uri="{BB962C8B-B14F-4D97-AF65-F5344CB8AC3E}">
+        <p14:creationId xmlns:p14="http://schemas.microsoft.com/office/powerpoint/2010/main" val="3048206696"/>
+      </p:ext>
+    </p:extLst>
+  </p:cSld>
+  <p:clrMapOvr>
+    <a:masterClrMapping/>
+  </p:clrMapOvr>
+</p:sld>
+</file>
+
+<file path=ppt/slides/slide23.xml><?xml version="1.0" encoding="utf-8"?>
+<p:sld xmlns:a="http://schemas.openxmlformats.org/drawingml/2006/main" xmlns:r="http://schemas.openxmlformats.org/officeDocument/2006/relationships" xmlns:p="http://schemas.openxmlformats.org/presentationml/2006/main">
+  <p:cSld>
+    <p:spTree>
+      <p:nvGrpSpPr>
+        <p:cNvPr id="1" name=""/>
+        <p:cNvGrpSpPr/>
+        <p:nvPr/>
+      </p:nvGrpSpPr>
+      <p:grpSpPr>
+        <a:xfrm>
+          <a:off x="0" y="0"/>
+          <a:ext cx="0" cy="0"/>
+          <a:chOff x="0" y="0"/>
+          <a:chExt cx="0" cy="0"/>
+        </a:xfrm>
+      </p:grpSpPr>
+      <p:sp>
+        <p:nvSpPr>
+          <p:cNvPr id="2" name="Titel 1"/>
+          <p:cNvSpPr>
+            <a:spLocks noGrp="1"/>
+          </p:cNvSpPr>
+          <p:nvPr>
+            <p:ph type="title"/>
+          </p:nvPr>
+        </p:nvSpPr>
+        <p:spPr>
+          <a:xfrm>
+            <a:off x="457200" y="116632"/>
+            <a:ext cx="8229600" cy="634082"/>
+          </a:xfrm>
+        </p:spPr>
+        <p:txBody>
+          <a:bodyPr>
+            <a:normAutofit fontScale="90000"/>
+          </a:bodyPr>
+          <a:lstStyle/>
+          <a:p>
+            <a:r>
+              <a:rPr lang="en-US" dirty="0" smtClean="0"/>
+              <a:t>HB root folder structure for wearables</a:t>
+            </a:r>
+            <a:endParaRPr lang="en-US" dirty="0"/>
+          </a:p>
+        </p:txBody>
+      </p:sp>
+      <p:sp>
+        <p:nvSpPr>
+          <p:cNvPr id="3" name="Inhaltsplatzhalter 2"/>
+          <p:cNvSpPr>
+            <a:spLocks noGrp="1"/>
+          </p:cNvSpPr>
+          <p:nvPr>
+            <p:ph idx="1"/>
+          </p:nvPr>
+        </p:nvSpPr>
         <p:spPr>
           <a:xfrm>
             <a:off x="457200" y="764704"/>
@@ -8642,275 +10438,578 @@
               <a:rPr lang="en-US" dirty="0" smtClean="0"/>
             </a:br>
             <a:r>
-              <a:rPr lang="en-US" dirty="0" smtClean="0"/>
+              <a:rPr lang="en-US" b="1" dirty="0" smtClean="0"/>
               <a:t>--|pre-1</a:t>
             </a:r>
             <a:br>
-              <a:rPr lang="en-US" dirty="0" smtClean="0"/>
+              <a:rPr lang="en-US" b="1" dirty="0" smtClean="0"/>
             </a:br>
             <a:r>
-              <a:rPr lang="en-US" dirty="0" smtClean="0"/>
+              <a:rPr lang="en-US" b="1" dirty="0" smtClean="0"/>
               <a:t>--|--|app</a:t>
             </a:r>
             <a:br>
-              <a:rPr lang="en-US" dirty="0" smtClean="0"/>
+              <a:rPr lang="en-US" b="1" dirty="0" smtClean="0"/>
             </a:br>
             <a:r>
-              <a:rPr lang="en-US" dirty="0" smtClean="0"/>
+              <a:rPr lang="en-US" b="1" dirty="0" smtClean="0">
+                <a:solidFill>
+                  <a:srgbClr val="0070C0"/>
+                </a:solidFill>
+              </a:rPr>
               <a:t>--|--|--|sub-HBEMA5183016_pre-1_app-ema.csv</a:t>
             </a:r>
+            <a:r>
+              <a:rPr lang="en-US" b="1" dirty="0" smtClean="0"/>
+              <a:t/>
+            </a:r>
             <a:br>
-              <a:rPr lang="en-US" dirty="0" smtClean="0"/>
+              <a:rPr lang="en-US" b="1" dirty="0" smtClean="0"/>
             </a:br>
             <a:r>
-              <a:rPr lang="en-US" dirty="0" smtClean="0"/>
+              <a:rPr lang="en-US" b="1" dirty="0" smtClean="0"/>
               <a:t>--|--|</a:t>
             </a:r>
             <a:r>
-              <a:rPr lang="en-US" dirty="0" err="1" smtClean="0"/>
+              <a:rPr lang="en-US" b="1" dirty="0" err="1" smtClean="0"/>
               <a:t>wrb</a:t>
             </a:r>
             <a:r>
-              <a:rPr lang="en-US" dirty="0" smtClean="0"/>
+              <a:rPr lang="en-US" b="1" dirty="0" smtClean="0"/>
               <a:t/>
             </a:r>
             <a:br>
-              <a:rPr lang="en-US" dirty="0" smtClean="0"/>
+              <a:rPr lang="en-US" b="1" dirty="0" smtClean="0"/>
             </a:br>
             <a:r>
-              <a:rPr lang="en-US" dirty="0" smtClean="0"/>
+              <a:rPr lang="en-US" b="1" dirty="0" smtClean="0">
+                <a:solidFill>
+                  <a:srgbClr val="00B050"/>
+                </a:solidFill>
+              </a:rPr>
               <a:t>--|--|--|sub-HB1AP1618436_pre-1_wrb_apl.datx</a:t>
             </a:r>
             <a:br>
-              <a:rPr lang="en-US" dirty="0" smtClean="0"/>
+              <a:rPr lang="en-US" b="1" dirty="0" smtClean="0">
+                <a:solidFill>
+                  <a:srgbClr val="00B050"/>
+                </a:solidFill>
+              </a:rPr>
             </a:br>
             <a:r>
-              <a:rPr lang="en-US" dirty="0" smtClean="0"/>
+              <a:rPr lang="en-US" b="1" dirty="0" smtClean="0">
+                <a:solidFill>
+                  <a:srgbClr val="00B050"/>
+                </a:solidFill>
+              </a:rPr>
               <a:t>--|--|--|sub-HB1AP1618436_pre-1_wrb_apl.pml</a:t>
             </a:r>
             <a:br>
-              <a:rPr lang="en-US" dirty="0" smtClean="0"/>
+              <a:rPr lang="en-US" b="1" dirty="0" smtClean="0">
+                <a:solidFill>
+                  <a:srgbClr val="00B050"/>
+                </a:solidFill>
+              </a:rPr>
             </a:br>
             <a:r>
-              <a:rPr lang="en-US" dirty="0" smtClean="0"/>
+              <a:rPr lang="en-US" b="1" dirty="0" smtClean="0">
+                <a:solidFill>
+                  <a:srgbClr val="00B050"/>
+                </a:solidFill>
+              </a:rPr>
               <a:t>--|--|--|sub-HB1AP1618436_pre-1_wrb_apl_combined_pd_data.csv</a:t>
             </a:r>
             <a:br>
-              <a:rPr lang="en-US" dirty="0" smtClean="0"/>
+              <a:rPr lang="en-US" b="1" dirty="0" smtClean="0">
+                <a:solidFill>
+                  <a:srgbClr val="00B050"/>
+                </a:solidFill>
+              </a:rPr>
             </a:br>
             <a:r>
-              <a:rPr lang="en-US" dirty="0" smtClean="0"/>
+              <a:rPr lang="en-US" b="1" dirty="0" smtClean="0">
+                <a:solidFill>
+                  <a:srgbClr val="00B050"/>
+                </a:solidFill>
+              </a:rPr>
               <a:t>--|--|--|sub-HB1AP1618436_pre-1_wrb_apl_combined_wk_data.csv</a:t>
             </a:r>
             <a:br>
-              <a:rPr lang="en-US" dirty="0" smtClean="0"/>
+              <a:rPr lang="en-US" b="1" dirty="0" smtClean="0">
+                <a:solidFill>
+                  <a:srgbClr val="00B050"/>
+                </a:solidFill>
+              </a:rPr>
             </a:br>
             <a:r>
-              <a:rPr lang="en-US" dirty="0" smtClean="0"/>
+              <a:rPr lang="en-US" b="1" dirty="0" smtClean="0">
+                <a:solidFill>
+                  <a:srgbClr val="00B050"/>
+                </a:solidFill>
+              </a:rPr>
               <a:t>--|--|--|sub-HB1AP1618436_pre-1_wrb_apl_logdata.csv</a:t>
             </a:r>
             <a:br>
-              <a:rPr lang="en-US" dirty="0" smtClean="0"/>
+              <a:rPr lang="en-US" b="1" dirty="0" smtClean="0">
+                <a:solidFill>
+                  <a:srgbClr val="00B050"/>
+                </a:solidFill>
+              </a:rPr>
             </a:br>
             <a:r>
-              <a:rPr lang="en-US" dirty="0" smtClean="0"/>
+              <a:rPr lang="en-US" b="1" dirty="0" smtClean="0">
+                <a:solidFill>
+                  <a:srgbClr val="00B050"/>
+                </a:solidFill>
+              </a:rPr>
               <a:t>--|--|--|sub-HB1AP1618436_pre-1_wrb_apl_slnwlist.csv</a:t>
             </a:r>
             <a:br>
-              <a:rPr lang="en-US" dirty="0" smtClean="0"/>
+              <a:rPr lang="en-US" b="1" dirty="0" smtClean="0">
+                <a:solidFill>
+                  <a:srgbClr val="00B050"/>
+                </a:solidFill>
+              </a:rPr>
             </a:br>
             <a:r>
-              <a:rPr lang="en-US" dirty="0" smtClean="0"/>
+              <a:rPr lang="en-US" b="1" dirty="0" smtClean="0">
+                <a:solidFill>
+                  <a:srgbClr val="00B050"/>
+                </a:solidFill>
+              </a:rPr>
               <a:t>--|--|--|sub-HB1AP1618436_pre-1_wrb_apl_sumdata.csv</a:t>
             </a:r>
             <a:br>
-              <a:rPr lang="en-US" dirty="0" smtClean="0"/>
+              <a:rPr lang="en-US" b="1" dirty="0" smtClean="0">
+                <a:solidFill>
+                  <a:srgbClr val="00B050"/>
+                </a:solidFill>
+              </a:rPr>
             </a:br>
             <a:r>
-              <a:rPr lang="en-US" dirty="0" smtClean="0"/>
+              <a:rPr lang="en-US" b="1" dirty="0" smtClean="0">
+                <a:solidFill>
+                  <a:srgbClr val="00B050"/>
+                </a:solidFill>
+              </a:rPr>
               <a:t>--|--|--|sub-HB1AP1618436_pre-1_wrb_apl_tagged_events.csv</a:t>
             </a:r>
             <a:br>
-              <a:rPr lang="en-US" dirty="0" smtClean="0"/>
+              <a:rPr lang="en-US" b="1" dirty="0" smtClean="0">
+                <a:solidFill>
+                  <a:srgbClr val="00B050"/>
+                </a:solidFill>
+              </a:rPr>
             </a:br>
             <a:r>
-              <a:rPr lang="en-US" dirty="0" smtClean="0"/>
+              <a:rPr lang="en-US" b="1" dirty="0" smtClean="0">
+                <a:solidFill>
+                  <a:srgbClr val="00B050"/>
+                </a:solidFill>
+              </a:rPr>
               <a:t>--|--|--|sub-HB1AP1618436_pre-1_wrb_apl_valid_periods.csv</a:t>
             </a:r>
             <a:br>
-              <a:rPr lang="en-US" dirty="0" smtClean="0"/>
+              <a:rPr lang="en-US" b="1" dirty="0" smtClean="0">
+                <a:solidFill>
+                  <a:srgbClr val="00B050"/>
+                </a:solidFill>
+              </a:rPr>
             </a:br>
             <a:r>
-              <a:rPr lang="en-US" dirty="0" smtClean="0"/>
+              <a:rPr lang="en-US" b="1" dirty="0" smtClean="0">
+                <a:solidFill>
+                  <a:srgbClr val="00B050"/>
+                </a:solidFill>
+              </a:rPr>
               <a:t>--|--|--|sub-HB1AP1618436_pre-1_wrb_apl-evs.csv</a:t>
             </a:r>
+            <a:r>
+              <a:rPr lang="en-US" b="1" dirty="0" smtClean="0"/>
+              <a:t/>
+            </a:r>
             <a:br>
-              <a:rPr lang="en-US" dirty="0" smtClean="0"/>
+              <a:rPr lang="en-US" b="1" dirty="0" smtClean="0"/>
             </a:br>
             <a:r>
-              <a:rPr lang="en-US" dirty="0" smtClean="0"/>
+              <a:rPr lang="en-US" b="1" dirty="0" smtClean="0">
+                <a:solidFill>
+                  <a:srgbClr val="C00000"/>
+                </a:solidFill>
+              </a:rPr>
               <a:t>--|--|--|sub-HB1EM6570669_pre-1_wrb_emp_01.zip</a:t>
             </a:r>
             <a:br>
-              <a:rPr lang="en-US" dirty="0" smtClean="0"/>
+              <a:rPr lang="en-US" b="1" dirty="0" smtClean="0">
+                <a:solidFill>
+                  <a:srgbClr val="C00000"/>
+                </a:solidFill>
+              </a:rPr>
             </a:br>
             <a:r>
-              <a:rPr lang="en-US" dirty="0" smtClean="0"/>
+              <a:rPr lang="en-US" b="1" dirty="0" smtClean="0">
+                <a:solidFill>
+                  <a:srgbClr val="C00000"/>
+                </a:solidFill>
+              </a:rPr>
               <a:t>--|--|--|sub-HB1EM6570669_pre-1_wrb_emp_02.zip</a:t>
             </a:r>
             <a:br>
-              <a:rPr lang="en-US" dirty="0" smtClean="0"/>
+              <a:rPr lang="en-US" b="1" dirty="0" smtClean="0">
+                <a:solidFill>
+                  <a:srgbClr val="C00000"/>
+                </a:solidFill>
+              </a:rPr>
             </a:br>
             <a:r>
-              <a:rPr lang="en-US" dirty="0" smtClean="0"/>
+              <a:rPr lang="en-US" b="1" dirty="0" smtClean="0">
+                <a:solidFill>
+                  <a:srgbClr val="C00000"/>
+                </a:solidFill>
+              </a:rPr>
               <a:t>--|--|--|sub-HB1EM6570669_pre-1_wrb_emp_03.zip</a:t>
             </a:r>
             <a:br>
-              <a:rPr lang="en-US" dirty="0" smtClean="0"/>
+              <a:rPr lang="en-US" b="1" dirty="0" smtClean="0">
+                <a:solidFill>
+                  <a:srgbClr val="C00000"/>
+                </a:solidFill>
+              </a:rPr>
             </a:br>
             <a:r>
-              <a:rPr lang="en-US" dirty="0" smtClean="0"/>
+              <a:rPr lang="en-US" b="1" dirty="0" smtClean="0">
+                <a:solidFill>
+                  <a:srgbClr val="C00000"/>
+                </a:solidFill>
+              </a:rPr>
               <a:t>--|--|--|sub-HB1EM6570669_pre-1_wrb_emp_04.zip</a:t>
             </a:r>
             <a:br>
-              <a:rPr lang="en-US" dirty="0" smtClean="0"/>
+              <a:rPr lang="en-US" b="1" dirty="0" smtClean="0">
+                <a:solidFill>
+                  <a:srgbClr val="C00000"/>
+                </a:solidFill>
+              </a:rPr>
             </a:br>
             <a:r>
-              <a:rPr lang="en-US" dirty="0" smtClean="0"/>
+              <a:rPr lang="en-US" b="1" dirty="0" smtClean="0">
+                <a:solidFill>
+                  <a:srgbClr val="C00000"/>
+                </a:solidFill>
+              </a:rPr>
               <a:t>--|--|--|sub-HB1EM6570669_pre-1_wrb_emp_05.zip</a:t>
             </a:r>
             <a:br>
-              <a:rPr lang="en-US" dirty="0" smtClean="0"/>
+              <a:rPr lang="en-US" b="1" dirty="0" smtClean="0">
+                <a:solidFill>
+                  <a:srgbClr val="C00000"/>
+                </a:solidFill>
+              </a:rPr>
             </a:br>
             <a:r>
-              <a:rPr lang="en-US" dirty="0" smtClean="0"/>
+              <a:rPr lang="en-US" b="1" dirty="0" smtClean="0">
+                <a:solidFill>
+                  <a:srgbClr val="C00000"/>
+                </a:solidFill>
+              </a:rPr>
               <a:t>--|--|--|sub-HB1EM6570669_pre-1_wrb_emp_06.zip</a:t>
             </a:r>
             <a:br>
-              <a:rPr lang="en-US" dirty="0" smtClean="0"/>
+              <a:rPr lang="en-US" b="1" dirty="0" smtClean="0">
+                <a:solidFill>
+                  <a:srgbClr val="C00000"/>
+                </a:solidFill>
+              </a:rPr>
             </a:br>
             <a:r>
-              <a:rPr lang="en-US" dirty="0" smtClean="0"/>
+              <a:rPr lang="en-US" b="1" dirty="0" smtClean="0">
+                <a:solidFill>
+                  <a:schemeClr val="accent2">
+                    <a:lumMod val="60000"/>
+                    <a:lumOff val="40000"/>
+                  </a:schemeClr>
+                </a:solidFill>
+              </a:rPr>
               <a:t>--|--|--|sub-HB1EM6570669_pre-1_wrb_emp_full.zip</a:t>
             </a:r>
+            <a:r>
+              <a:rPr lang="en-US" b="1" dirty="0" smtClean="0">
+                <a:solidFill>
+                  <a:srgbClr val="C00000"/>
+                </a:solidFill>
+              </a:rPr>
+              <a:t/>
+            </a:r>
             <a:br>
-              <a:rPr lang="en-US" dirty="0" smtClean="0"/>
+              <a:rPr lang="en-US" b="1" dirty="0" smtClean="0">
+                <a:solidFill>
+                  <a:srgbClr val="C00000"/>
+                </a:solidFill>
+              </a:rPr>
             </a:br>
             <a:r>
-              <a:rPr lang="en-US" dirty="0" smtClean="0"/>
+              <a:rPr lang="en-US" b="1" dirty="0" smtClean="0">
+                <a:solidFill>
+                  <a:srgbClr val="C00000"/>
+                </a:solidFill>
+              </a:rPr>
               <a:t>--|--|--|sub-HB1EM8057291_pre-1_wrb_emp.zip</a:t>
             </a:r>
+            <a:r>
+              <a:rPr lang="en-US" b="1" dirty="0" smtClean="0"/>
+              <a:t/>
+            </a:r>
             <a:br>
-              <a:rPr lang="en-US" dirty="0" smtClean="0"/>
+              <a:rPr lang="en-US" b="1" dirty="0" smtClean="0"/>
             </a:br>
             <a:r>
-              <a:rPr lang="en-US" dirty="0" smtClean="0"/>
+              <a:rPr lang="en-US" b="1" dirty="0" smtClean="0">
+                <a:solidFill>
+                  <a:srgbClr val="7030A0"/>
+                </a:solidFill>
+              </a:rPr>
               <a:t>--|--|--|sub-HB1EM8057291_pre-1_wrb_emp_01.zip</a:t>
             </a:r>
             <a:br>
-              <a:rPr lang="en-US" dirty="0" smtClean="0"/>
+              <a:rPr lang="en-US" b="1" dirty="0" smtClean="0">
+                <a:solidFill>
+                  <a:srgbClr val="7030A0"/>
+                </a:solidFill>
+              </a:rPr>
             </a:br>
             <a:r>
-              <a:rPr lang="en-US" dirty="0" smtClean="0"/>
+              <a:rPr lang="en-US" b="1" dirty="0" smtClean="0">
+                <a:solidFill>
+                  <a:srgbClr val="7030A0"/>
+                </a:solidFill>
+              </a:rPr>
               <a:t>--|--|--|sub-HB1EM8057291_pre-1_wrb_emp_02.zip</a:t>
             </a:r>
             <a:br>
-              <a:rPr lang="en-US" dirty="0" smtClean="0"/>
+              <a:rPr lang="en-US" b="1" dirty="0" smtClean="0">
+                <a:solidFill>
+                  <a:srgbClr val="7030A0"/>
+                </a:solidFill>
+              </a:rPr>
             </a:br>
             <a:r>
-              <a:rPr lang="en-US" dirty="0" smtClean="0"/>
+              <a:rPr lang="en-US" b="1" dirty="0" smtClean="0">
+                <a:solidFill>
+                  <a:srgbClr val="7030A0"/>
+                </a:solidFill>
+              </a:rPr>
               <a:t>--|--|--|sub-HB1EM8057291_pre-1_wrb_emp_03.zip</a:t>
             </a:r>
             <a:br>
-              <a:rPr lang="en-US" dirty="0" smtClean="0"/>
+              <a:rPr lang="en-US" b="1" dirty="0" smtClean="0">
+                <a:solidFill>
+                  <a:srgbClr val="7030A0"/>
+                </a:solidFill>
+              </a:rPr>
             </a:br>
             <a:r>
-              <a:rPr lang="en-US" dirty="0" smtClean="0"/>
+              <a:rPr lang="en-US" b="1" dirty="0" smtClean="0">
+                <a:solidFill>
+                  <a:srgbClr val="7030A0"/>
+                </a:solidFill>
+              </a:rPr>
               <a:t>--|--|--|sub-HB1EM8057291_pre-1_wrb_emp_04.zip</a:t>
             </a:r>
             <a:br>
-              <a:rPr lang="en-US" dirty="0" smtClean="0"/>
+              <a:rPr lang="en-US" b="1" dirty="0" smtClean="0">
+                <a:solidFill>
+                  <a:srgbClr val="7030A0"/>
+                </a:solidFill>
+              </a:rPr>
             </a:br>
             <a:r>
-              <a:rPr lang="en-US" dirty="0" smtClean="0"/>
+              <a:rPr lang="en-US" b="1" dirty="0" smtClean="0">
+                <a:solidFill>
+                  <a:srgbClr val="7030A0"/>
+                </a:solidFill>
+              </a:rPr>
               <a:t>--|--|--|sub-HB1EM8057291_pre-1_wrb_emp_05.zip</a:t>
             </a:r>
             <a:br>
-              <a:rPr lang="en-US" dirty="0" smtClean="0"/>
+              <a:rPr lang="en-US" b="1" dirty="0" smtClean="0">
+                <a:solidFill>
+                  <a:srgbClr val="7030A0"/>
+                </a:solidFill>
+              </a:rPr>
             </a:br>
             <a:r>
-              <a:rPr lang="en-US" dirty="0" smtClean="0"/>
+              <a:rPr lang="en-US" b="1" dirty="0" smtClean="0">
+                <a:solidFill>
+                  <a:srgbClr val="7030A0"/>
+                </a:solidFill>
+              </a:rPr>
               <a:t>--|--|--|sub-HB1EM8057291_pre-1_wrb_emp_06.zip</a:t>
             </a:r>
             <a:br>
-              <a:rPr lang="en-US" dirty="0" smtClean="0"/>
+              <a:rPr lang="en-US" b="1" dirty="0" smtClean="0">
+                <a:solidFill>
+                  <a:srgbClr val="7030A0"/>
+                </a:solidFill>
+              </a:rPr>
             </a:br>
             <a:r>
-              <a:rPr lang="en-US" dirty="0" smtClean="0"/>
+              <a:rPr lang="en-US" b="1" dirty="0">
+                <a:solidFill>
+                  <a:srgbClr val="7030A0"/>
+                </a:solidFill>
+              </a:rPr>
               <a:t>--|--|--|sub-HB1ZM3321037_pre-1_wrb_zmx_1.zip</a:t>
             </a:r>
+          </a:p>
+          <a:p>
+            <a:pPr marL="0" indent="0">
+              <a:buNone/>
+            </a:pPr>
+            <a:r>
+              <a:rPr lang="en-US" b="1" dirty="0">
+                <a:solidFill>
+                  <a:schemeClr val="accent4">
+                    <a:lumMod val="60000"/>
+                    <a:lumOff val="40000"/>
+                  </a:schemeClr>
+                </a:solidFill>
+              </a:rPr>
+              <a:t>--|--|--|sub-HB1ZM3321037_pre-1_wrb_zmx_1_merged.zip</a:t>
+            </a:r>
+            <a:r>
+              <a:rPr lang="en-US" b="1" dirty="0" smtClean="0">
+                <a:solidFill>
+                  <a:srgbClr val="7030A0"/>
+                </a:solidFill>
+              </a:rPr>
+              <a:t/>
+            </a:r>
             <a:br>
-              <a:rPr lang="en-US" dirty="0" smtClean="0"/>
+              <a:rPr lang="en-US" b="1" dirty="0" smtClean="0">
+                <a:solidFill>
+                  <a:srgbClr val="7030A0"/>
+                </a:solidFill>
+              </a:rPr>
             </a:br>
             <a:r>
-              <a:rPr lang="en-US" dirty="0" smtClean="0"/>
+              <a:rPr lang="en-US" b="1" dirty="0" smtClean="0">
+                <a:solidFill>
+                  <a:srgbClr val="7030A0"/>
+                </a:solidFill>
+              </a:rPr>
               <a:t>--|--|--|sub-HB1ZM3321037_pre-1_wrb_zmx_2.zip</a:t>
             </a:r>
             <a:br>
-              <a:rPr lang="en-US" dirty="0" smtClean="0"/>
+              <a:rPr lang="en-US" b="1" dirty="0" smtClean="0">
+                <a:solidFill>
+                  <a:srgbClr val="7030A0"/>
+                </a:solidFill>
+              </a:rPr>
             </a:br>
             <a:r>
-              <a:rPr lang="en-US" dirty="0" smtClean="0"/>
-              <a:t>--|--|--|sub-HB1ZM3321037_pre-1_wrb_zmx_3.zip</a:t>
+              <a:rPr lang="en-US" b="1" dirty="0" smtClean="0">
+                <a:solidFill>
+                  <a:srgbClr val="7030A0"/>
+                </a:solidFill>
+              </a:rPr>
+              <a:t>--|--|--|sub-HB1ZM3321037_pre-1_wrb_zmx_3 - empty.zip</a:t>
             </a:r>
             <a:br>
-              <a:rPr lang="en-US" dirty="0" smtClean="0"/>
+              <a:rPr lang="en-US" b="1" dirty="0" smtClean="0">
+                <a:solidFill>
+                  <a:srgbClr val="7030A0"/>
+                </a:solidFill>
+              </a:rPr>
             </a:br>
             <a:r>
-              <a:rPr lang="en-US" dirty="0" smtClean="0"/>
+              <a:rPr lang="en-US" b="1" dirty="0" smtClean="0">
+                <a:solidFill>
+                  <a:srgbClr val="7030A0"/>
+                </a:solidFill>
+              </a:rPr>
               <a:t>--|--|--|sub-HB1ZM3321037_pre-1_wrb_zmx_4.zip</a:t>
             </a:r>
             <a:br>
-              <a:rPr lang="en-US" dirty="0" smtClean="0"/>
+              <a:rPr lang="en-US" b="1" dirty="0" smtClean="0">
+                <a:solidFill>
+                  <a:srgbClr val="7030A0"/>
+                </a:solidFill>
+              </a:rPr>
             </a:br>
             <a:r>
-              <a:rPr lang="en-US" dirty="0" smtClean="0"/>
+              <a:rPr lang="en-US" b="1" dirty="0" smtClean="0">
+                <a:solidFill>
+                  <a:srgbClr val="7030A0"/>
+                </a:solidFill>
+              </a:rPr>
               <a:t>--|--|--|sub-HB1ZM3321037_pre-1_wrb_zmx_5.zip</a:t>
             </a:r>
             <a:br>
-              <a:rPr lang="en-US" dirty="0" smtClean="0"/>
+              <a:rPr lang="en-US" b="1" dirty="0" smtClean="0">
+                <a:solidFill>
+                  <a:srgbClr val="7030A0"/>
+                </a:solidFill>
+              </a:rPr>
             </a:br>
             <a:r>
-              <a:rPr lang="en-US" dirty="0" smtClean="0"/>
+              <a:rPr lang="en-US" b="1" dirty="0" smtClean="0">
+                <a:solidFill>
+                  <a:srgbClr val="7030A0"/>
+                </a:solidFill>
+              </a:rPr>
               <a:t>--|--|--|sub-HB1ZM3321037_pre-1_wrb_zmx_6.zip</a:t>
             </a:r>
             <a:br>
-              <a:rPr lang="en-US" dirty="0" smtClean="0"/>
+              <a:rPr lang="en-US" b="1" dirty="0" smtClean="0">
+                <a:solidFill>
+                  <a:srgbClr val="7030A0"/>
+                </a:solidFill>
+              </a:rPr>
             </a:br>
             <a:r>
-              <a:rPr lang="en-US" dirty="0" smtClean="0"/>
+              <a:rPr lang="en-US" b="1" dirty="0" smtClean="0">
+                <a:solidFill>
+                  <a:srgbClr val="7030A0"/>
+                </a:solidFill>
+              </a:rPr>
               <a:t>--|--|--|sub-HB1ZM3321037_pre-1_wrb_zmx_7.zip</a:t>
             </a:r>
             <a:br>
-              <a:rPr lang="en-US" dirty="0" smtClean="0"/>
+              <a:rPr lang="en-US" b="1" dirty="0" smtClean="0">
+                <a:solidFill>
+                  <a:srgbClr val="7030A0"/>
+                </a:solidFill>
+              </a:rPr>
             </a:br>
             <a:r>
-              <a:rPr lang="en-US" dirty="0" smtClean="0"/>
+              <a:rPr lang="en-US" b="1" dirty="0" smtClean="0">
+                <a:solidFill>
+                  <a:srgbClr val="7030A0"/>
+                </a:solidFill>
+              </a:rPr>
               <a:t>--|--|--|sub-HB1ZM3321037_pre-1_wrb_zmx_raw.zip</a:t>
             </a:r>
+            <a:r>
+              <a:rPr lang="en-US" b="1" dirty="0" smtClean="0"/>
+              <a:t/>
+            </a:r>
             <a:br>
-              <a:rPr lang="en-US" dirty="0" smtClean="0"/>
+              <a:rPr lang="en-US" b="1" dirty="0" smtClean="0"/>
             </a:br>
             <a:r>
-              <a:rPr lang="en-US" dirty="0" smtClean="0"/>
+              <a:rPr lang="en-US" b="1" dirty="0" smtClean="0"/>
               <a:t>--|pre-2</a:t>
             </a:r>
             <a:br>
-              <a:rPr lang="en-US" dirty="0" smtClean="0"/>
+              <a:rPr lang="en-US" b="1" dirty="0" smtClean="0"/>
             </a:br>
             <a:r>
-              <a:rPr lang="en-US" dirty="0" smtClean="0"/>
+              <a:rPr lang="en-US" b="1" dirty="0" smtClean="0"/>
               <a:t>--|pre-3</a:t>
+            </a:r>
+            <a:r>
+              <a:rPr lang="en-US" dirty="0" smtClean="0"/>
+              <a:t/>
             </a:r>
             <a:br>
               <a:rPr lang="en-US" dirty="0" smtClean="0"/>
@@ -9565,7 +11664,7 @@
           <a:p>
             <a:r>
               <a:rPr lang="en-US" dirty="0" err="1" smtClean="0"/>
-              <a:t>Empathica</a:t>
+              <a:t>Empatica</a:t>
             </a:r>
             <a:r>
               <a:rPr lang="en-US" dirty="0" smtClean="0"/>
@@ -9789,7 +11888,7 @@
         </p:spPr>
         <p:txBody>
           <a:bodyPr>
-            <a:normAutofit fontScale="70000" lnSpcReduction="20000"/>
+            <a:normAutofit fontScale="62500" lnSpcReduction="20000"/>
           </a:bodyPr>
           <a:lstStyle/>
           <a:p>
@@ -9981,7 +12080,28 @@
                   <a:srgbClr val="C00000"/>
                 </a:solidFill>
               </a:rPr>
-              <a:t>6.3: optional, merge in a common data format all the data  </a:t>
+              <a:t>6.3: visualize alignment and data availability</a:t>
+            </a:r>
+            <a:endParaRPr lang="en-US" dirty="0" smtClean="0">
+              <a:solidFill>
+                <a:srgbClr val="C00000"/>
+              </a:solidFill>
+            </a:endParaRPr>
+          </a:p>
+          <a:p>
+            <a:pPr marL="0" indent="0">
+              <a:spcAft>
+                <a:spcPts val="600"/>
+              </a:spcAft>
+              <a:buNone/>
+            </a:pPr>
+            <a:r>
+              <a:rPr lang="en-US" dirty="0" smtClean="0">
+                <a:solidFill>
+                  <a:srgbClr val="C00000"/>
+                </a:solidFill>
+              </a:rPr>
+              <a:t>6.4: optional, merge in a common data format all the data  </a:t>
             </a:r>
           </a:p>
         </p:txBody>
@@ -10164,9 +12284,6 @@
               <a:rPr lang="en-US" dirty="0" smtClean="0"/>
               <a:t>step 1.1: reading, preprocessing, concatenation and data export</a:t>
             </a:r>
-            <a:br>
-              <a:rPr lang="en-US" dirty="0" smtClean="0"/>
-            </a:br>
             <a:endParaRPr lang="en-US" dirty="0"/>
           </a:p>
         </p:txBody>
@@ -10208,7 +12325,7 @@
           <a:p>
             <a:r>
               <a:rPr lang="en-US" dirty="0" err="1" smtClean="0"/>
-              <a:t>Empathica</a:t>
+              <a:t>Empatica</a:t>
             </a:r>
             <a:r>
               <a:rPr lang="en-US" dirty="0" smtClean="0"/>
@@ -10300,9 +12417,6 @@
               <a:rPr lang="en-US" sz="4000" dirty="0" smtClean="0"/>
               <a:t>step 1.2: checking data and file structure integrity</a:t>
             </a:r>
-            <a:br>
-              <a:rPr lang="en-US" sz="4000" dirty="0" smtClean="0"/>
-            </a:br>
             <a:endParaRPr lang="en-US" sz="4000" dirty="0"/>
           </a:p>
         </p:txBody>

--- a/snippets/HBS_wearanize.pptx
+++ b/snippets/HBS_wearanize.pptx
@@ -28,6 +28,7 @@
     <p:sldId id="275" r:id="rId22"/>
     <p:sldId id="277" r:id="rId23"/>
     <p:sldId id="276" r:id="rId24"/>
+    <p:sldId id="282" r:id="rId25"/>
   </p:sldIdLst>
   <p:sldSz cx="9144000" cy="6858000" type="screen4x3"/>
   <p:notesSz cx="6858000" cy="9144000"/>
@@ -310,7 +311,7 @@
           <a:p>
             <a:fld id="{9A4D8AFB-B093-4E86-BFF0-AEF9377C7DAC}" type="datetimeFigureOut">
               <a:rPr lang="en-US" smtClean="0"/>
-              <a:t>6/20/2022</a:t>
+              <a:t>6/22/2022</a:t>
             </a:fld>
             <a:endParaRPr lang="en-US"/>
           </a:p>
@@ -480,7 +481,7 @@
           <a:p>
             <a:fld id="{9A4D8AFB-B093-4E86-BFF0-AEF9377C7DAC}" type="datetimeFigureOut">
               <a:rPr lang="en-US" smtClean="0"/>
-              <a:t>6/20/2022</a:t>
+              <a:t>6/22/2022</a:t>
             </a:fld>
             <a:endParaRPr lang="en-US"/>
           </a:p>
@@ -660,7 +661,7 @@
           <a:p>
             <a:fld id="{9A4D8AFB-B093-4E86-BFF0-AEF9377C7DAC}" type="datetimeFigureOut">
               <a:rPr lang="en-US" smtClean="0"/>
-              <a:t>6/20/2022</a:t>
+              <a:t>6/22/2022</a:t>
             </a:fld>
             <a:endParaRPr lang="en-US"/>
           </a:p>
@@ -830,7 +831,7 @@
           <a:p>
             <a:fld id="{9A4D8AFB-B093-4E86-BFF0-AEF9377C7DAC}" type="datetimeFigureOut">
               <a:rPr lang="en-US" smtClean="0"/>
-              <a:t>6/20/2022</a:t>
+              <a:t>6/22/2022</a:t>
             </a:fld>
             <a:endParaRPr lang="en-US"/>
           </a:p>
@@ -1076,7 +1077,7 @@
           <a:p>
             <a:fld id="{9A4D8AFB-B093-4E86-BFF0-AEF9377C7DAC}" type="datetimeFigureOut">
               <a:rPr lang="en-US" smtClean="0"/>
-              <a:t>6/20/2022</a:t>
+              <a:t>6/22/2022</a:t>
             </a:fld>
             <a:endParaRPr lang="en-US"/>
           </a:p>
@@ -1364,7 +1365,7 @@
           <a:p>
             <a:fld id="{9A4D8AFB-B093-4E86-BFF0-AEF9377C7DAC}" type="datetimeFigureOut">
               <a:rPr lang="en-US" smtClean="0"/>
-              <a:t>6/20/2022</a:t>
+              <a:t>6/22/2022</a:t>
             </a:fld>
             <a:endParaRPr lang="en-US"/>
           </a:p>
@@ -1786,7 +1787,7 @@
           <a:p>
             <a:fld id="{9A4D8AFB-B093-4E86-BFF0-AEF9377C7DAC}" type="datetimeFigureOut">
               <a:rPr lang="en-US" smtClean="0"/>
-              <a:t>6/20/2022</a:t>
+              <a:t>6/22/2022</a:t>
             </a:fld>
             <a:endParaRPr lang="en-US"/>
           </a:p>
@@ -1904,7 +1905,7 @@
           <a:p>
             <a:fld id="{9A4D8AFB-B093-4E86-BFF0-AEF9377C7DAC}" type="datetimeFigureOut">
               <a:rPr lang="en-US" smtClean="0"/>
-              <a:t>6/20/2022</a:t>
+              <a:t>6/22/2022</a:t>
             </a:fld>
             <a:endParaRPr lang="en-US"/>
           </a:p>
@@ -1999,7 +2000,7 @@
           <a:p>
             <a:fld id="{9A4D8AFB-B093-4E86-BFF0-AEF9377C7DAC}" type="datetimeFigureOut">
               <a:rPr lang="en-US" smtClean="0"/>
-              <a:t>6/20/2022</a:t>
+              <a:t>6/22/2022</a:t>
             </a:fld>
             <a:endParaRPr lang="en-US"/>
           </a:p>
@@ -2276,7 +2277,7 @@
           <a:p>
             <a:fld id="{9A4D8AFB-B093-4E86-BFF0-AEF9377C7DAC}" type="datetimeFigureOut">
               <a:rPr lang="en-US" smtClean="0"/>
-              <a:t>6/20/2022</a:t>
+              <a:t>6/22/2022</a:t>
             </a:fld>
             <a:endParaRPr lang="en-US"/>
           </a:p>
@@ -2529,7 +2530,7 @@
           <a:p>
             <a:fld id="{9A4D8AFB-B093-4E86-BFF0-AEF9377C7DAC}" type="datetimeFigureOut">
               <a:rPr lang="en-US" smtClean="0"/>
-              <a:t>6/20/2022</a:t>
+              <a:t>6/22/2022</a:t>
             </a:fld>
             <a:endParaRPr lang="en-US"/>
           </a:p>
@@ -2742,7 +2743,7 @@
           <a:p>
             <a:fld id="{9A4D8AFB-B093-4E86-BFF0-AEF9377C7DAC}" type="datetimeFigureOut">
               <a:rPr lang="en-US" smtClean="0"/>
-              <a:t>6/20/2022</a:t>
+              <a:t>6/22/2022</a:t>
             </a:fld>
             <a:endParaRPr lang="en-US"/>
           </a:p>
@@ -3382,7 +3383,6 @@
               <a:rPr lang="en-US" b="1" dirty="0" smtClean="0"/>
               <a:t> missing</a:t>
             </a:r>
-            <a:endParaRPr lang="en-US" b="1" dirty="0" smtClean="0"/>
           </a:p>
           <a:p>
             <a:endParaRPr lang="en-US" dirty="0"/>
@@ -3754,7 +3754,63 @@
           <a:p>
             <a:r>
               <a:rPr lang="en-US" dirty="0" smtClean="0"/>
-              <a:t>App data is retained as original format</a:t>
+              <a:t>EMA </a:t>
+            </a:r>
+            <a:r>
+              <a:rPr lang="en-US" dirty="0" smtClean="0"/>
+              <a:t>data </a:t>
+            </a:r>
+            <a:r>
+              <a:rPr lang="en-US" dirty="0" smtClean="0"/>
+              <a:t>is retained as original </a:t>
+            </a:r>
+            <a:r>
+              <a:rPr lang="en-US" dirty="0" smtClean="0"/>
+              <a:t>format</a:t>
+            </a:r>
+          </a:p>
+          <a:p>
+            <a:endParaRPr lang="en-US" dirty="0"/>
+          </a:p>
+          <a:p>
+            <a:pPr marL="0" indent="0">
+              <a:buNone/>
+            </a:pPr>
+            <a:r>
+              <a:rPr lang="en-US" b="1" dirty="0"/>
+              <a:t>s</a:t>
+            </a:r>
+            <a:r>
+              <a:rPr lang="en-US" b="1" dirty="0" smtClean="0"/>
+              <a:t>tatus: </a:t>
+            </a:r>
+            <a:r>
+              <a:rPr lang="en-US" b="1" dirty="0" err="1" smtClean="0"/>
+              <a:t>zmax</a:t>
+            </a:r>
+            <a:r>
+              <a:rPr lang="en-US" b="1" dirty="0" smtClean="0"/>
+              <a:t> &amp; E4 done, missing </a:t>
+            </a:r>
+            <a:r>
+              <a:rPr lang="en-US" b="1" dirty="0" err="1" smtClean="0"/>
+              <a:t>activePAL</a:t>
+            </a:r>
+            <a:r>
+              <a:rPr lang="en-US" b="1" dirty="0" smtClean="0"/>
+              <a:t> &amp; EMA data (i.e. filtering of </a:t>
+            </a:r>
+            <a:r>
+              <a:rPr lang="en-US" b="1" dirty="0" err="1" smtClean="0"/>
+              <a:t>spreasheets</a:t>
+            </a:r>
+            <a:r>
+              <a:rPr lang="en-US" b="1" dirty="0" smtClean="0"/>
+              <a:t>)</a:t>
+            </a:r>
+            <a:r>
+              <a:rPr lang="en-US" dirty="0" smtClean="0"/>
+              <a:t/>
             </a:r>
             <a:br>
               <a:rPr lang="en-US" dirty="0" smtClean="0"/>
@@ -3997,17 +4053,17 @@
         <p:spPr/>
         <p:txBody>
           <a:bodyPr>
-            <a:normAutofit fontScale="92500" lnSpcReduction="20000"/>
+            <a:normAutofit fontScale="70000" lnSpcReduction="20000"/>
           </a:bodyPr>
           <a:lstStyle/>
           <a:p>
             <a:r>
-              <a:rPr lang="en-US" smtClean="0"/>
-              <a:t>Empatica </a:t>
-            </a:r>
-            <a:r>
-              <a:rPr lang="en-US" dirty="0" smtClean="0"/>
-              <a:t>is reference time for alignment, </a:t>
+              <a:rPr lang="en-US" dirty="0" err="1" smtClean="0"/>
+              <a:t>Empatica</a:t>
+            </a:r>
+            <a:r>
+              <a:rPr lang="en-US" dirty="0" smtClean="0"/>
+              <a:t> is reference time for alignment, </a:t>
             </a:r>
             <a:r>
               <a:rPr lang="en-US" dirty="0" err="1" smtClean="0"/>
@@ -4043,10 +4099,41 @@
           </a:p>
           <a:p>
             <a:r>
+              <a:rPr lang="en-US" dirty="0" smtClean="0"/>
+              <a:t>EMA data is not </a:t>
+            </a:r>
+            <a:r>
+              <a:rPr lang="en-US" dirty="0" err="1" smtClean="0"/>
+              <a:t>synchable</a:t>
+            </a:r>
+            <a:r>
+              <a:rPr lang="en-US" dirty="0" smtClean="0"/>
+              <a:t> (?)</a:t>
+            </a:r>
+            <a:endParaRPr lang="en-US" dirty="0" smtClean="0"/>
+          </a:p>
+          <a:p>
+            <a:r>
               <a:rPr lang="en-US" b="1" dirty="0" smtClean="0"/>
-              <a:t>Status: general algorithm implemented for pairwise arbitrary signal alignment, missing alignment in a set of recordings</a:t>
-            </a:r>
+              <a:t>Status: general algorithm implemented for pairwise arbitrary signal alignment, missing alignment in a set of </a:t>
+            </a:r>
+            <a:r>
+              <a:rPr lang="en-US" b="1" dirty="0" smtClean="0"/>
+              <a:t>recordings</a:t>
+            </a:r>
+          </a:p>
+          <a:p>
             <a:endParaRPr lang="en-US" b="1" dirty="0"/>
+          </a:p>
+          <a:p>
+            <a:pPr marL="0" indent="0">
+              <a:buNone/>
+            </a:pPr>
+            <a:r>
+              <a:rPr lang="en-US" dirty="0" smtClean="0"/>
+              <a:t>QUESTION: Are there some external cues, markers as reference for start of recordings?</a:t>
+            </a:r>
+            <a:endParaRPr lang="en-US" dirty="0"/>
           </a:p>
         </p:txBody>
       </p:sp>
@@ -7336,11 +7423,7 @@
             </a:r>
             <a:r>
               <a:rPr lang="en-US" dirty="0" smtClean="0"/>
-              <a:t> a</a:t>
-            </a:r>
-            <a:r>
-              <a:rPr lang="en-US" dirty="0" smtClean="0"/>
-              <a:t>lign signal</a:t>
+              <a:t> align signal</a:t>
             </a:r>
             <a:endParaRPr lang="en-US" dirty="0"/>
           </a:p>
@@ -7621,11 +7704,7 @@
           <a:p>
             <a:r>
               <a:rPr lang="en-US" dirty="0" smtClean="0"/>
-              <a:t>step </a:t>
-            </a:r>
-            <a:r>
-              <a:rPr lang="en-US" dirty="0" smtClean="0"/>
-              <a:t>6.1: find all relevant data given a request command line software</a:t>
+              <a:t>step 6.1: find all relevant data given a request command line software</a:t>
             </a:r>
             <a:br>
               <a:rPr lang="en-US" dirty="0" smtClean="0"/>
@@ -7731,7 +7810,11 @@
             <a:pPr lvl="1"/>
             <a:r>
               <a:rPr lang="en-US" dirty="0" smtClean="0"/>
-              <a:t>session(), datatype(</a:t>
+              <a:t>session(), </a:t>
+            </a:r>
+            <a:r>
+              <a:rPr lang="en-US" dirty="0" smtClean="0"/>
+              <a:t>datatype(</a:t>
             </a:r>
             <a:r>
               <a:rPr lang="en-US" dirty="0" err="1" smtClean="0"/>
@@ -7750,7 +7833,7 @@
             </a:r>
             <a:r>
               <a:rPr lang="en-US" dirty="0" err="1" smtClean="0"/>
-              <a:t>zmx|emp|apl|app|all</a:t>
+              <a:t>zmx|emp|apl|ema|all</a:t>
             </a:r>
             <a:r>
               <a:rPr lang="en-US" dirty="0" smtClean="0"/>
@@ -7861,7 +7944,7 @@
         <p:spPr>
           <a:xfrm>
             <a:off x="899592" y="1772816"/>
-            <a:ext cx="7292381" cy="400110"/>
+            <a:ext cx="8295861" cy="400110"/>
           </a:xfrm>
           <a:prstGeom prst="rect">
             <a:avLst/>
@@ -7918,7 +8001,40 @@
                 <a:ea typeface="Code2000" panose="02000600000000000000" pitchFamily="2" charset="2"/>
                 <a:cs typeface="Code2000" panose="02000600000000000000" pitchFamily="2" charset="2"/>
               </a:rPr>
-              <a:t> -date-start='2018-09-12' … </a:t>
+              <a:t> </a:t>
+            </a:r>
+            <a:r>
+              <a:rPr lang="en-US" sz="2000" dirty="0" smtClean="0">
+                <a:solidFill>
+                  <a:schemeClr val="bg1"/>
+                </a:solidFill>
+                <a:latin typeface="Code2000" panose="02000600000000000000" pitchFamily="2" charset="2"/>
+                <a:ea typeface="Code2000" panose="02000600000000000000" pitchFamily="2" charset="2"/>
+                <a:cs typeface="Code2000" panose="02000600000000000000" pitchFamily="2" charset="2"/>
+              </a:rPr>
+              <a:t>request</a:t>
+            </a:r>
+            <a:r>
+              <a:rPr lang="en-US" sz="2000" dirty="0" smtClean="0">
+                <a:solidFill>
+                  <a:schemeClr val="bg1"/>
+                </a:solidFill>
+                <a:latin typeface="Code2000" panose="02000600000000000000" pitchFamily="2" charset="2"/>
+                <a:ea typeface="Code2000" panose="02000600000000000000" pitchFamily="2" charset="2"/>
+                <a:cs typeface="Code2000" panose="02000600000000000000" pitchFamily="2" charset="2"/>
+              </a:rPr>
+              <a:t> -</a:t>
+            </a:r>
+            <a:r>
+              <a:rPr lang="en-US" sz="2000" dirty="0" smtClean="0">
+                <a:solidFill>
+                  <a:schemeClr val="bg1"/>
+                </a:solidFill>
+                <a:latin typeface="Code2000" panose="02000600000000000000" pitchFamily="2" charset="2"/>
+                <a:ea typeface="Code2000" panose="02000600000000000000" pitchFamily="2" charset="2"/>
+                <a:cs typeface="Code2000" panose="02000600000000000000" pitchFamily="2" charset="2"/>
+              </a:rPr>
+              <a:t>date-start='2018-09-12' … </a:t>
             </a:r>
             <a:endParaRPr lang="en-US" sz="2000" dirty="0"/>
           </a:p>
@@ -8412,13 +8528,8 @@
           <a:p>
             <a:r>
               <a:rPr lang="en-US" dirty="0" smtClean="0"/>
-              <a:t>in a text (</a:t>
-            </a:r>
-            <a:r>
-              <a:rPr lang="en-US" dirty="0" smtClean="0"/>
-              <a:t>wearaboutnow.csv )</a:t>
-            </a:r>
-            <a:endParaRPr lang="en-US" dirty="0" smtClean="0"/>
+              <a:t>in a text (wearaboutnow.csv )</a:t>
+            </a:r>
           </a:p>
           <a:p>
             <a:r>
@@ -9236,8 +9347,8 @@
         </p:nvSpPr>
         <p:spPr>
           <a:xfrm>
-            <a:off x="384116" y="4725144"/>
-            <a:ext cx="538930" cy="369332"/>
+            <a:off x="295951" y="4725144"/>
+            <a:ext cx="627095" cy="369332"/>
           </a:xfrm>
           <a:prstGeom prst="rect">
             <a:avLst/>
@@ -9252,7 +9363,7 @@
             <a:pPr algn="r"/>
             <a:r>
               <a:rPr lang="en-US" dirty="0" smtClean="0"/>
-              <a:t>app</a:t>
+              <a:t>EMA</a:t>
             </a:r>
             <a:endParaRPr lang="en-US" dirty="0"/>
           </a:p>
@@ -10260,7 +10371,9 @@
         </p:nvSpPr>
         <p:spPr/>
         <p:txBody>
-          <a:bodyPr/>
+          <a:bodyPr>
+            <a:normAutofit fontScale="92500" lnSpcReduction="20000"/>
+          </a:bodyPr>
           <a:lstStyle/>
           <a:p>
             <a:r>
@@ -10276,8 +10389,69 @@
             <a:pPr lvl="1"/>
             <a:r>
               <a:rPr lang="en-US" dirty="0" smtClean="0"/>
-              <a:t>Information lost? Storing of all file attributes of the micro SD card files?</a:t>
-            </a:r>
+              <a:t>Information lost? Storing of all file attributes of the micro SD card files</a:t>
+            </a:r>
+            <a:r>
+              <a:rPr lang="en-US" dirty="0" smtClean="0"/>
+              <a:t>?</a:t>
+            </a:r>
+            <a:endParaRPr lang="en-US" dirty="0"/>
+          </a:p>
+          <a:p>
+            <a:r>
+              <a:rPr lang="en-US" dirty="0" smtClean="0"/>
+              <a:t>EDF reader (python MNE) fixes for </a:t>
+            </a:r>
+            <a:r>
+              <a:rPr lang="en-US" dirty="0" err="1" smtClean="0"/>
+              <a:t>zmax</a:t>
+            </a:r>
+            <a:r>
+              <a:rPr lang="en-US" dirty="0" smtClean="0"/>
+              <a:t> data to merge with main branch</a:t>
+            </a:r>
+          </a:p>
+          <a:p>
+            <a:r>
+              <a:rPr lang="en-US" dirty="0" smtClean="0"/>
+              <a:t>Feature extraction and what to select from the </a:t>
+            </a:r>
+            <a:r>
+              <a:rPr lang="en-US" dirty="0" err="1" smtClean="0"/>
+              <a:t>activPAL</a:t>
+            </a:r>
+            <a:r>
+              <a:rPr lang="en-US" dirty="0" smtClean="0"/>
+              <a:t> data to export</a:t>
+            </a:r>
+          </a:p>
+          <a:p>
+            <a:r>
+              <a:rPr lang="en-US" dirty="0" smtClean="0"/>
+              <a:t>Documentation of commands and code</a:t>
+            </a:r>
+          </a:p>
+          <a:p>
+            <a:r>
+              <a:rPr lang="en-US" dirty="0" smtClean="0"/>
+              <a:t>Maintainability</a:t>
+            </a:r>
+          </a:p>
+          <a:p>
+            <a:r>
+              <a:rPr lang="en-US" dirty="0" err="1" smtClean="0"/>
+              <a:t>Extendability</a:t>
+            </a:r>
+            <a:r>
+              <a:rPr lang="en-US" dirty="0" smtClean="0"/>
+              <a:t> (more devices later?)</a:t>
+            </a:r>
+          </a:p>
+          <a:p>
+            <a:endParaRPr lang="en-US" dirty="0" smtClean="0"/>
+          </a:p>
+          <a:p>
+            <a:endParaRPr lang="en-US" dirty="0"/>
           </a:p>
         </p:txBody>
       </p:sp>
@@ -11127,6 +11301,257 @@
 </p:sld>
 </file>
 
+<file path=ppt/slides/slide24.xml><?xml version="1.0" encoding="utf-8"?>
+<p:sld xmlns:a="http://schemas.openxmlformats.org/drawingml/2006/main" xmlns:r="http://schemas.openxmlformats.org/officeDocument/2006/relationships" xmlns:p="http://schemas.openxmlformats.org/presentationml/2006/main">
+  <p:cSld>
+    <p:spTree>
+      <p:nvGrpSpPr>
+        <p:cNvPr id="1" name=""/>
+        <p:cNvGrpSpPr/>
+        <p:nvPr/>
+      </p:nvGrpSpPr>
+      <p:grpSpPr>
+        <a:xfrm>
+          <a:off x="0" y="0"/>
+          <a:ext cx="0" cy="0"/>
+          <a:chOff x="0" y="0"/>
+          <a:chExt cx="0" cy="0"/>
+        </a:xfrm>
+      </p:grpSpPr>
+      <p:sp>
+        <p:nvSpPr>
+          <p:cNvPr id="2" name="Titel 1"/>
+          <p:cNvSpPr>
+            <a:spLocks noGrp="1"/>
+          </p:cNvSpPr>
+          <p:nvPr>
+            <p:ph type="title"/>
+          </p:nvPr>
+        </p:nvSpPr>
+        <p:spPr/>
+        <p:txBody>
+          <a:bodyPr>
+            <a:normAutofit fontScale="90000"/>
+          </a:bodyPr>
+          <a:lstStyle/>
+          <a:p>
+            <a:r>
+              <a:rPr lang="en-US" b="1" dirty="0" err="1">
+                <a:solidFill>
+                  <a:srgbClr val="92D050"/>
+                </a:solidFill>
+                <a:latin typeface="Source Code Pro" panose="020B0509030403020204" pitchFamily="49" charset="0"/>
+                <a:ea typeface="Source Code Pro" panose="020B0509030403020204" pitchFamily="49" charset="0"/>
+              </a:rPr>
+              <a:t>wearanize</a:t>
+            </a:r>
+            <a:r>
+              <a:rPr lang="en-US" b="1" dirty="0">
+                <a:solidFill>
+                  <a:srgbClr val="92D050"/>
+                </a:solidFill>
+                <a:latin typeface="Source Code Pro" panose="020B0509030403020204" pitchFamily="49" charset="0"/>
+                <a:ea typeface="Source Code Pro" panose="020B0509030403020204" pitchFamily="49" charset="0"/>
+              </a:rPr>
+              <a:t> </a:t>
+            </a:r>
+            <a:r>
+              <a:rPr lang="en-US" b="1" dirty="0" smtClean="0">
+                <a:solidFill>
+                  <a:srgbClr val="92D050"/>
+                </a:solidFill>
+                <a:latin typeface="Source Code Pro" panose="020B0509030403020204" pitchFamily="49" charset="0"/>
+                <a:ea typeface="Source Code Pro" panose="020B0509030403020204" pitchFamily="49" charset="0"/>
+              </a:rPr>
+              <a:t/>
+            </a:r>
+            <a:br>
+              <a:rPr lang="en-US" b="1" dirty="0" smtClean="0">
+                <a:solidFill>
+                  <a:srgbClr val="92D050"/>
+                </a:solidFill>
+                <a:latin typeface="Source Code Pro" panose="020B0509030403020204" pitchFamily="49" charset="0"/>
+                <a:ea typeface="Source Code Pro" panose="020B0509030403020204" pitchFamily="49" charset="0"/>
+              </a:rPr>
+            </a:br>
+            <a:r>
+              <a:rPr lang="en-US" dirty="0" smtClean="0">
+                <a:ea typeface="Source Code Pro" panose="020B0509030403020204" pitchFamily="49" charset="0"/>
+              </a:rPr>
+              <a:t>two step </a:t>
+            </a:r>
+            <a:r>
+              <a:rPr lang="en-US" dirty="0" smtClean="0"/>
+              <a:t>commands</a:t>
+            </a:r>
+            <a:endParaRPr lang="en-US" dirty="0"/>
+          </a:p>
+        </p:txBody>
+      </p:sp>
+      <p:sp>
+        <p:nvSpPr>
+          <p:cNvPr id="3" name="Inhaltsplatzhalter 2"/>
+          <p:cNvSpPr>
+            <a:spLocks noGrp="1"/>
+          </p:cNvSpPr>
+          <p:nvPr>
+            <p:ph idx="1"/>
+          </p:nvPr>
+        </p:nvSpPr>
+        <p:spPr/>
+        <p:txBody>
+          <a:bodyPr>
+            <a:normAutofit fontScale="62500" lnSpcReduction="20000"/>
+          </a:bodyPr>
+          <a:lstStyle/>
+          <a:p>
+            <a:r>
+              <a:rPr lang="en-US" dirty="0" smtClean="0"/>
+              <a:t>'</a:t>
+            </a:r>
+            <a:r>
+              <a:rPr lang="en-US" dirty="0" err="1" smtClean="0"/>
+              <a:t>init</a:t>
+            </a:r>
+            <a:r>
+              <a:rPr lang="en-US" dirty="0" smtClean="0"/>
+              <a:t>' (the preprocessing done once in a while)</a:t>
+            </a:r>
+          </a:p>
+          <a:p>
+            <a:pPr lvl="1"/>
+            <a:r>
+              <a:rPr lang="en-US" dirty="0" smtClean="0"/>
+              <a:t>Merge data and </a:t>
+            </a:r>
+            <a:r>
+              <a:rPr lang="en-US" dirty="0"/>
+              <a:t>create </a:t>
+            </a:r>
+            <a:r>
+              <a:rPr lang="en-US" dirty="0" smtClean="0"/>
+              <a:t>wearabout.csv</a:t>
+            </a:r>
+          </a:p>
+          <a:p>
+            <a:pPr lvl="1"/>
+            <a:r>
+              <a:rPr lang="en-US" dirty="0"/>
+              <a:t>R</a:t>
+            </a:r>
+            <a:r>
+              <a:rPr lang="en-US" dirty="0" smtClean="0"/>
+              <a:t>ecreate wearabout.csv</a:t>
+            </a:r>
+          </a:p>
+          <a:p>
+            <a:pPr lvl="1"/>
+            <a:r>
+              <a:rPr lang="en-US" dirty="0"/>
+              <a:t>E</a:t>
+            </a:r>
+            <a:r>
+              <a:rPr lang="en-US" dirty="0" smtClean="0"/>
+              <a:t>xtend wearabout.csv with timestamp and quality data</a:t>
+            </a:r>
+          </a:p>
+          <a:p>
+            <a:pPr lvl="1"/>
+            <a:r>
+              <a:rPr lang="en-US" dirty="0" smtClean="0"/>
+              <a:t>Extend wearabout.csv with subject-wise synch </a:t>
+            </a:r>
+            <a:r>
+              <a:rPr lang="en-US" dirty="0" err="1" smtClean="0"/>
+              <a:t>infos</a:t>
+            </a:r>
+            <a:endParaRPr lang="en-US" dirty="0" smtClean="0"/>
+          </a:p>
+          <a:p>
+            <a:r>
+              <a:rPr lang="en-US" dirty="0" smtClean="0"/>
+              <a:t>'request' (after the </a:t>
+            </a:r>
+            <a:r>
+              <a:rPr lang="en-US" dirty="0" err="1" smtClean="0"/>
+              <a:t>init</a:t>
+            </a:r>
+            <a:r>
+              <a:rPr lang="en-US" dirty="0" smtClean="0"/>
+              <a:t> step is done)</a:t>
+            </a:r>
+          </a:p>
+          <a:p>
+            <a:pPr lvl="1"/>
+            <a:r>
+              <a:rPr lang="en-US" dirty="0" smtClean="0"/>
+              <a:t>Parse wearabout.csv to fulfil request</a:t>
+            </a:r>
+          </a:p>
+          <a:p>
+            <a:pPr lvl="1"/>
+            <a:r>
+              <a:rPr lang="en-US" dirty="0" smtClean="0"/>
+              <a:t>Create wearaboutnow.csv </a:t>
+            </a:r>
+          </a:p>
+          <a:p>
+            <a:pPr lvl="1"/>
+            <a:r>
+              <a:rPr lang="en-US" dirty="0" smtClean="0"/>
+              <a:t>Copy requested files and </a:t>
+            </a:r>
+            <a:r>
+              <a:rPr lang="en-US" dirty="0"/>
+              <a:t>wearaboutnow.csv</a:t>
+            </a:r>
+            <a:r>
+              <a:rPr lang="en-US" dirty="0" smtClean="0"/>
+              <a:t> to a final destination keeping folder structure (subject wise)</a:t>
+            </a:r>
+          </a:p>
+          <a:p>
+            <a:pPr lvl="1"/>
+            <a:r>
+              <a:rPr lang="en-US" dirty="0" smtClean="0"/>
+              <a:t>Create a merged visualization</a:t>
+            </a:r>
+          </a:p>
+          <a:p>
+            <a:pPr lvl="1"/>
+            <a:r>
+              <a:rPr lang="en-US" dirty="0" smtClean="0"/>
+              <a:t>(optional: merging  and syncing of data in one format)</a:t>
+            </a:r>
+          </a:p>
+          <a:p>
+            <a:endParaRPr lang="en-US" dirty="0"/>
+          </a:p>
+          <a:p>
+            <a:pPr marL="0" indent="0">
+              <a:buNone/>
+            </a:pPr>
+            <a:r>
+              <a:rPr lang="en-US" dirty="0" smtClean="0"/>
+              <a:t>QUESTION: is it sufficient to process all only once, or needs to be processed 'amended as data arrives'?</a:t>
+            </a:r>
+            <a:endParaRPr lang="en-US" dirty="0"/>
+          </a:p>
+        </p:txBody>
+      </p:sp>
+    </p:spTree>
+    <p:extLst>
+      <p:ext uri="{BB962C8B-B14F-4D97-AF65-F5344CB8AC3E}">
+        <p14:creationId xmlns:p14="http://schemas.microsoft.com/office/powerpoint/2010/main" val="991522337"/>
+      </p:ext>
+    </p:extLst>
+  </p:cSld>
+  <p:clrMapOvr>
+    <a:masterClrMapping/>
+  </p:clrMapOvr>
+</p:sld>
+</file>
+
 <file path=ppt/slides/slide3.xml><?xml version="1.0" encoding="utf-8"?>
 <p:sld xmlns:a="http://schemas.openxmlformats.org/drawingml/2006/main" xmlns:r="http://schemas.openxmlformats.org/officeDocument/2006/relationships" xmlns:p="http://schemas.openxmlformats.org/presentationml/2006/main">
   <p:cSld>
@@ -11592,27 +12017,7 @@
                   </a:schemeClr>
                 </a:solidFill>
               </a:rPr>
-              <a:t>Accelerometer (3-Dimensional</a:t>
-            </a:r>
-            <a:r>
-              <a:rPr lang="en-US" dirty="0" smtClean="0">
-                <a:solidFill>
-                  <a:schemeClr val="accent3">
-                    <a:lumMod val="75000"/>
-                  </a:schemeClr>
-                </a:solidFill>
-              </a:rPr>
-              <a:t>, -2 to 2 g, 256 Hz</a:t>
-            </a:r>
-            <a:r>
-              <a:rPr lang="en-US" dirty="0" smtClean="0">
-                <a:solidFill>
-                  <a:schemeClr val="accent3">
-                    <a:lumMod val="75000"/>
-                  </a:schemeClr>
-                </a:solidFill>
-              </a:rPr>
-              <a:t>)</a:t>
+              <a:t>Accelerometer (3-Dimensional, -2 to 2 g, 256 Hz)</a:t>
             </a:r>
           </a:p>
           <a:p>
@@ -11766,13 +12171,45 @@
           </a:p>
           <a:p>
             <a:r>
-              <a:rPr lang="en-US" dirty="0" smtClean="0"/>
-              <a:t>mobile survey </a:t>
-            </a:r>
-            <a:r>
               <a:rPr lang="en-US" b="1" dirty="0" smtClean="0"/>
+              <a:t>EMA</a:t>
+            </a:r>
+            <a:r>
+              <a:rPr lang="en-US" dirty="0" smtClean="0"/>
+              <a:t> mobile </a:t>
+            </a:r>
+            <a:r>
+              <a:rPr lang="en-US" dirty="0" smtClean="0"/>
+              <a:t>survey </a:t>
+            </a:r>
+            <a:r>
+              <a:rPr lang="en-US" dirty="0" smtClean="0"/>
               <a:t>app</a:t>
             </a:r>
+          </a:p>
+          <a:p>
+            <a:pPr lvl="1"/>
+            <a:r>
+              <a:rPr lang="en-US" dirty="0" smtClean="0"/>
+              <a:t>Timestamped (</a:t>
+            </a:r>
+            <a:r>
+              <a:rPr lang="en-US" dirty="0" err="1" smtClean="0"/>
+              <a:t>start_beep</a:t>
+            </a:r>
+            <a:r>
+              <a:rPr lang="en-US" dirty="0" smtClean="0"/>
+              <a:t>, </a:t>
+            </a:r>
+            <a:r>
+              <a:rPr lang="en-US" dirty="0" err="1" smtClean="0"/>
+              <a:t>end_beep</a:t>
+            </a:r>
+            <a:r>
+              <a:rPr lang="en-US" dirty="0" smtClean="0"/>
+              <a:t>)  with questionnaire answers</a:t>
+            </a:r>
+            <a:endParaRPr lang="en-US" dirty="0" smtClean="0"/>
           </a:p>
           <a:p>
             <a:pPr lvl="1"/>
@@ -12082,11 +12519,6 @@
               </a:rPr>
               <a:t>6.3: visualize alignment and data availability</a:t>
             </a:r>
-            <a:endParaRPr lang="en-US" dirty="0" smtClean="0">
-              <a:solidFill>
-                <a:srgbClr val="C00000"/>
-              </a:solidFill>
-            </a:endParaRPr>
           </a:p>
           <a:p>
             <a:pPr marL="0" indent="0">
@@ -12360,7 +12792,15 @@
             </a:r>
             <a:r>
               <a:rPr lang="en-US" b="1" dirty="0" smtClean="0"/>
-              <a:t> &amp; app in progress</a:t>
+              <a:t> &amp; </a:t>
+            </a:r>
+            <a:r>
+              <a:rPr lang="en-US" b="1" dirty="0" smtClean="0"/>
+              <a:t>EMA in </a:t>
+            </a:r>
+            <a:r>
+              <a:rPr lang="en-US" b="1" dirty="0" smtClean="0"/>
+              <a:t>progress</a:t>
             </a:r>
             <a:endParaRPr lang="en-US" b="1" dirty="0"/>
           </a:p>

--- a/snippets/HBS_wearanize.pptx
+++ b/snippets/HBS_wearanize.pptx
@@ -1,9 +1,12 @@
 
 <file path=ppt/presentation.xml><?xml version="1.0" encoding="utf-8"?>
-<p:presentation xmlns:a="http://schemas.openxmlformats.org/drawingml/2006/main" xmlns:r="http://schemas.openxmlformats.org/officeDocument/2006/relationships" xmlns:p="http://schemas.openxmlformats.org/presentationml/2006/main" saveSubsetFonts="1">
+<p:presentation xmlns:a="http://schemas.openxmlformats.org/drawingml/2006/main" xmlns:r="http://schemas.openxmlformats.org/officeDocument/2006/relationships" xmlns:p="http://schemas.openxmlformats.org/presentationml/2006/main" showSpecialPlsOnTitleSld="0" saveSubsetFonts="1">
   <p:sldMasterIdLst>
     <p:sldMasterId id="2147483648" r:id="rId1"/>
   </p:sldMasterIdLst>
+  <p:notesMasterIdLst>
+    <p:notesMasterId r:id="rId26"/>
+  </p:notesMasterIdLst>
   <p:sldIdLst>
     <p:sldId id="256" r:id="rId2"/>
     <p:sldId id="259" r:id="rId3"/>
@@ -130,6 +133,356 @@
 </p:presentation>
 </file>
 
+<file path=ppt/notesMasters/notesMaster1.xml><?xml version="1.0" encoding="utf-8"?>
+<p:notesMaster xmlns:a="http://schemas.openxmlformats.org/drawingml/2006/main" xmlns:r="http://schemas.openxmlformats.org/officeDocument/2006/relationships" xmlns:p="http://schemas.openxmlformats.org/presentationml/2006/main">
+  <p:cSld>
+    <p:bg>
+      <p:bgRef idx="1001">
+        <a:schemeClr val="bg1"/>
+      </p:bgRef>
+    </p:bg>
+    <p:spTree>
+      <p:nvGrpSpPr>
+        <p:cNvPr id="1" name=""/>
+        <p:cNvGrpSpPr/>
+        <p:nvPr/>
+      </p:nvGrpSpPr>
+      <p:grpSpPr>
+        <a:xfrm>
+          <a:off x="0" y="0"/>
+          <a:ext cx="0" cy="0"/>
+          <a:chOff x="0" y="0"/>
+          <a:chExt cx="0" cy="0"/>
+        </a:xfrm>
+      </p:grpSpPr>
+      <p:sp>
+        <p:nvSpPr>
+          <p:cNvPr id="2" name="Kopfzeilenplatzhalter 1"/>
+          <p:cNvSpPr>
+            <a:spLocks noGrp="1"/>
+          </p:cNvSpPr>
+          <p:nvPr>
+            <p:ph type="hdr" sz="quarter"/>
+          </p:nvPr>
+        </p:nvSpPr>
+        <p:spPr>
+          <a:xfrm>
+            <a:off x="0" y="0"/>
+            <a:ext cx="2971800" cy="457200"/>
+          </a:xfrm>
+          <a:prstGeom prst="rect">
+            <a:avLst/>
+          </a:prstGeom>
+        </p:spPr>
+        <p:txBody>
+          <a:bodyPr vert="horz" lIns="91440" tIns="45720" rIns="91440" bIns="45720" rtlCol="0"/>
+          <a:lstStyle>
+            <a:lvl1pPr algn="l">
+              <a:defRPr sz="1200"/>
+            </a:lvl1pPr>
+          </a:lstStyle>
+          <a:p>
+            <a:endParaRPr lang="en-US"/>
+          </a:p>
+        </p:txBody>
+      </p:sp>
+      <p:sp>
+        <p:nvSpPr>
+          <p:cNvPr id="3" name="Datumsplatzhalter 2"/>
+          <p:cNvSpPr>
+            <a:spLocks noGrp="1"/>
+          </p:cNvSpPr>
+          <p:nvPr>
+            <p:ph type="dt" idx="1"/>
+          </p:nvPr>
+        </p:nvSpPr>
+        <p:spPr>
+          <a:xfrm>
+            <a:off x="3884613" y="0"/>
+            <a:ext cx="2971800" cy="457200"/>
+          </a:xfrm>
+          <a:prstGeom prst="rect">
+            <a:avLst/>
+          </a:prstGeom>
+        </p:spPr>
+        <p:txBody>
+          <a:bodyPr vert="horz" lIns="91440" tIns="45720" rIns="91440" bIns="45720" rtlCol="0"/>
+          <a:lstStyle>
+            <a:lvl1pPr algn="r">
+              <a:defRPr sz="1200"/>
+            </a:lvl1pPr>
+          </a:lstStyle>
+          <a:p>
+            <a:fld id="{FF3F9ABE-56D8-4F24-BC6A-0552C785169F}" type="datetimeFigureOut">
+              <a:rPr lang="en-US" smtClean="0"/>
+              <a:t>6/22/2022</a:t>
+            </a:fld>
+            <a:endParaRPr lang="en-US"/>
+          </a:p>
+        </p:txBody>
+      </p:sp>
+      <p:sp>
+        <p:nvSpPr>
+          <p:cNvPr id="4" name="Folienbildplatzhalter 3"/>
+          <p:cNvSpPr>
+            <a:spLocks noGrp="1" noRot="1" noChangeAspect="1"/>
+          </p:cNvSpPr>
+          <p:nvPr>
+            <p:ph type="sldImg" idx="2"/>
+          </p:nvPr>
+        </p:nvSpPr>
+        <p:spPr>
+          <a:xfrm>
+            <a:off x="1143000" y="685800"/>
+            <a:ext cx="4572000" cy="3429000"/>
+          </a:xfrm>
+          <a:prstGeom prst="rect">
+            <a:avLst/>
+          </a:prstGeom>
+          <a:noFill/>
+          <a:ln w="12700">
+            <a:solidFill>
+              <a:prstClr val="black"/>
+            </a:solidFill>
+          </a:ln>
+        </p:spPr>
+        <p:txBody>
+          <a:bodyPr vert="horz" lIns="91440" tIns="45720" rIns="91440" bIns="45720" rtlCol="0" anchor="ctr"/>
+          <a:lstStyle/>
+          <a:p>
+            <a:endParaRPr lang="en-US"/>
+          </a:p>
+        </p:txBody>
+      </p:sp>
+      <p:sp>
+        <p:nvSpPr>
+          <p:cNvPr id="5" name="Notizenplatzhalter 4"/>
+          <p:cNvSpPr>
+            <a:spLocks noGrp="1"/>
+          </p:cNvSpPr>
+          <p:nvPr>
+            <p:ph type="body" sz="quarter" idx="3"/>
+          </p:nvPr>
+        </p:nvSpPr>
+        <p:spPr>
+          <a:xfrm>
+            <a:off x="685800" y="4343400"/>
+            <a:ext cx="5486400" cy="4114800"/>
+          </a:xfrm>
+          <a:prstGeom prst="rect">
+            <a:avLst/>
+          </a:prstGeom>
+        </p:spPr>
+        <p:txBody>
+          <a:bodyPr vert="horz" lIns="91440" tIns="45720" rIns="91440" bIns="45720" rtlCol="0"/>
+          <a:lstStyle/>
+          <a:p>
+            <a:pPr lvl="0"/>
+            <a:r>
+              <a:rPr lang="de-DE" smtClean="0"/>
+              <a:t>Textmasterformat bearbeiten</a:t>
+            </a:r>
+          </a:p>
+          <a:p>
+            <a:pPr lvl="1"/>
+            <a:r>
+              <a:rPr lang="de-DE" smtClean="0"/>
+              <a:t>Zweite Ebene</a:t>
+            </a:r>
+          </a:p>
+          <a:p>
+            <a:pPr lvl="2"/>
+            <a:r>
+              <a:rPr lang="de-DE" smtClean="0"/>
+              <a:t>Dritte Ebene</a:t>
+            </a:r>
+          </a:p>
+          <a:p>
+            <a:pPr lvl="3"/>
+            <a:r>
+              <a:rPr lang="de-DE" smtClean="0"/>
+              <a:t>Vierte Ebene</a:t>
+            </a:r>
+          </a:p>
+          <a:p>
+            <a:pPr lvl="4"/>
+            <a:r>
+              <a:rPr lang="de-DE" smtClean="0"/>
+              <a:t>Fünfte Ebene</a:t>
+            </a:r>
+            <a:endParaRPr lang="en-US"/>
+          </a:p>
+        </p:txBody>
+      </p:sp>
+      <p:sp>
+        <p:nvSpPr>
+          <p:cNvPr id="6" name="Fußzeilenplatzhalter 5"/>
+          <p:cNvSpPr>
+            <a:spLocks noGrp="1"/>
+          </p:cNvSpPr>
+          <p:nvPr>
+            <p:ph type="ftr" sz="quarter" idx="4"/>
+          </p:nvPr>
+        </p:nvSpPr>
+        <p:spPr>
+          <a:xfrm>
+            <a:off x="0" y="8685213"/>
+            <a:ext cx="2971800" cy="457200"/>
+          </a:xfrm>
+          <a:prstGeom prst="rect">
+            <a:avLst/>
+          </a:prstGeom>
+        </p:spPr>
+        <p:txBody>
+          <a:bodyPr vert="horz" lIns="91440" tIns="45720" rIns="91440" bIns="45720" rtlCol="0" anchor="b"/>
+          <a:lstStyle>
+            <a:lvl1pPr algn="l">
+              <a:defRPr sz="1200"/>
+            </a:lvl1pPr>
+          </a:lstStyle>
+          <a:p>
+            <a:endParaRPr lang="en-US"/>
+          </a:p>
+        </p:txBody>
+      </p:sp>
+      <p:sp>
+        <p:nvSpPr>
+          <p:cNvPr id="7" name="Foliennummernplatzhalter 6"/>
+          <p:cNvSpPr>
+            <a:spLocks noGrp="1"/>
+          </p:cNvSpPr>
+          <p:nvPr>
+            <p:ph type="sldNum" sz="quarter" idx="5"/>
+          </p:nvPr>
+        </p:nvSpPr>
+        <p:spPr>
+          <a:xfrm>
+            <a:off x="3884613" y="8685213"/>
+            <a:ext cx="2971800" cy="457200"/>
+          </a:xfrm>
+          <a:prstGeom prst="rect">
+            <a:avLst/>
+          </a:prstGeom>
+        </p:spPr>
+        <p:txBody>
+          <a:bodyPr vert="horz" lIns="91440" tIns="45720" rIns="91440" bIns="45720" rtlCol="0" anchor="b"/>
+          <a:lstStyle>
+            <a:lvl1pPr algn="r">
+              <a:defRPr sz="1200"/>
+            </a:lvl1pPr>
+          </a:lstStyle>
+          <a:p>
+            <a:fld id="{94C5F5D1-5338-41B9-858D-5B0C7D4A3E70}" type="slidenum">
+              <a:rPr lang="en-US" smtClean="0"/>
+              <a:t>‹Nr.›</a:t>
+            </a:fld>
+            <a:endParaRPr lang="en-US"/>
+          </a:p>
+        </p:txBody>
+      </p:sp>
+    </p:spTree>
+    <p:extLst>
+      <p:ext uri="{BB962C8B-B14F-4D97-AF65-F5344CB8AC3E}">
+        <p14:creationId xmlns:p14="http://schemas.microsoft.com/office/powerpoint/2010/main" val="837706259"/>
+      </p:ext>
+    </p:extLst>
+  </p:cSld>
+  <p:clrMap bg1="lt1" tx1="dk1" bg2="lt2" tx2="dk2" accent1="accent1" accent2="accent2" accent3="accent3" accent4="accent4" accent5="accent5" accent6="accent6" hlink="hlink" folHlink="folHlink"/>
+  <p:notesStyle>
+    <a:lvl1pPr marL="0" algn="l" defTabSz="914400" rtl="0" eaLnBrk="1" latinLnBrk="0" hangingPunct="1">
+      <a:defRPr sz="1200" kern="1200">
+        <a:solidFill>
+          <a:schemeClr val="tx1"/>
+        </a:solidFill>
+        <a:latin typeface="+mn-lt"/>
+        <a:ea typeface="+mn-ea"/>
+        <a:cs typeface="+mn-cs"/>
+      </a:defRPr>
+    </a:lvl1pPr>
+    <a:lvl2pPr marL="457200" algn="l" defTabSz="914400" rtl="0" eaLnBrk="1" latinLnBrk="0" hangingPunct="1">
+      <a:defRPr sz="1200" kern="1200">
+        <a:solidFill>
+          <a:schemeClr val="tx1"/>
+        </a:solidFill>
+        <a:latin typeface="+mn-lt"/>
+        <a:ea typeface="+mn-ea"/>
+        <a:cs typeface="+mn-cs"/>
+      </a:defRPr>
+    </a:lvl2pPr>
+    <a:lvl3pPr marL="914400" algn="l" defTabSz="914400" rtl="0" eaLnBrk="1" latinLnBrk="0" hangingPunct="1">
+      <a:defRPr sz="1200" kern="1200">
+        <a:solidFill>
+          <a:schemeClr val="tx1"/>
+        </a:solidFill>
+        <a:latin typeface="+mn-lt"/>
+        <a:ea typeface="+mn-ea"/>
+        <a:cs typeface="+mn-cs"/>
+      </a:defRPr>
+    </a:lvl3pPr>
+    <a:lvl4pPr marL="1371600" algn="l" defTabSz="914400" rtl="0" eaLnBrk="1" latinLnBrk="0" hangingPunct="1">
+      <a:defRPr sz="1200" kern="1200">
+        <a:solidFill>
+          <a:schemeClr val="tx1"/>
+        </a:solidFill>
+        <a:latin typeface="+mn-lt"/>
+        <a:ea typeface="+mn-ea"/>
+        <a:cs typeface="+mn-cs"/>
+      </a:defRPr>
+    </a:lvl4pPr>
+    <a:lvl5pPr marL="1828800" algn="l" defTabSz="914400" rtl="0" eaLnBrk="1" latinLnBrk="0" hangingPunct="1">
+      <a:defRPr sz="1200" kern="1200">
+        <a:solidFill>
+          <a:schemeClr val="tx1"/>
+        </a:solidFill>
+        <a:latin typeface="+mn-lt"/>
+        <a:ea typeface="+mn-ea"/>
+        <a:cs typeface="+mn-cs"/>
+      </a:defRPr>
+    </a:lvl5pPr>
+    <a:lvl6pPr marL="2286000" algn="l" defTabSz="914400" rtl="0" eaLnBrk="1" latinLnBrk="0" hangingPunct="1">
+      <a:defRPr sz="1200" kern="1200">
+        <a:solidFill>
+          <a:schemeClr val="tx1"/>
+        </a:solidFill>
+        <a:latin typeface="+mn-lt"/>
+        <a:ea typeface="+mn-ea"/>
+        <a:cs typeface="+mn-cs"/>
+      </a:defRPr>
+    </a:lvl6pPr>
+    <a:lvl7pPr marL="2743200" algn="l" defTabSz="914400" rtl="0" eaLnBrk="1" latinLnBrk="0" hangingPunct="1">
+      <a:defRPr sz="1200" kern="1200">
+        <a:solidFill>
+          <a:schemeClr val="tx1"/>
+        </a:solidFill>
+        <a:latin typeface="+mn-lt"/>
+        <a:ea typeface="+mn-ea"/>
+        <a:cs typeface="+mn-cs"/>
+      </a:defRPr>
+    </a:lvl7pPr>
+    <a:lvl8pPr marL="3200400" algn="l" defTabSz="914400" rtl="0" eaLnBrk="1" latinLnBrk="0" hangingPunct="1">
+      <a:defRPr sz="1200" kern="1200">
+        <a:solidFill>
+          <a:schemeClr val="tx1"/>
+        </a:solidFill>
+        <a:latin typeface="+mn-lt"/>
+        <a:ea typeface="+mn-ea"/>
+        <a:cs typeface="+mn-cs"/>
+      </a:defRPr>
+    </a:lvl8pPr>
+    <a:lvl9pPr marL="3657600" algn="l" defTabSz="914400" rtl="0" eaLnBrk="1" latinLnBrk="0" hangingPunct="1">
+      <a:defRPr sz="1200" kern="1200">
+        <a:solidFill>
+          <a:schemeClr val="tx1"/>
+        </a:solidFill>
+        <a:latin typeface="+mn-lt"/>
+        <a:ea typeface="+mn-ea"/>
+        <a:cs typeface="+mn-cs"/>
+      </a:defRPr>
+    </a:lvl9pPr>
+  </p:notesStyle>
+</p:notesMaster>
+</file>
+
 <file path=ppt/slideLayouts/slideLayout1.xml><?xml version="1.0" encoding="utf-8"?>
 <p:sldLayout xmlns:a="http://schemas.openxmlformats.org/drawingml/2006/main" xmlns:r="http://schemas.openxmlformats.org/officeDocument/2006/relationships" xmlns:p="http://schemas.openxmlformats.org/presentationml/2006/main" type="title" preserve="1">
   <p:cSld name="Titelfolie">
@@ -309,7 +662,7 @@
           <a:bodyPr/>
           <a:lstStyle/>
           <a:p>
-            <a:fld id="{9A4D8AFB-B093-4E86-BFF0-AEF9377C7DAC}" type="datetimeFigureOut">
+            <a:fld id="{5EF6FF41-D75E-498B-B2DE-A643C2F91DA2}" type="datetime1">
               <a:rPr lang="en-US" smtClean="0"/>
               <a:t>6/22/2022</a:t>
             </a:fld>
@@ -479,7 +832,7 @@
           <a:bodyPr/>
           <a:lstStyle/>
           <a:p>
-            <a:fld id="{9A4D8AFB-B093-4E86-BFF0-AEF9377C7DAC}" type="datetimeFigureOut">
+            <a:fld id="{CF6AC14D-7610-4F9E-B2F2-E2C3A7B6B31E}" type="datetime1">
               <a:rPr lang="en-US" smtClean="0"/>
               <a:t>6/22/2022</a:t>
             </a:fld>
@@ -659,7 +1012,7 @@
           <a:bodyPr/>
           <a:lstStyle/>
           <a:p>
-            <a:fld id="{9A4D8AFB-B093-4E86-BFF0-AEF9377C7DAC}" type="datetimeFigureOut">
+            <a:fld id="{CE984F91-65C2-4E03-AAFA-6259FA6BF8EA}" type="datetime1">
               <a:rPr lang="en-US" smtClean="0"/>
               <a:t>6/22/2022</a:t>
             </a:fld>
@@ -829,7 +1182,7 @@
           <a:bodyPr/>
           <a:lstStyle/>
           <a:p>
-            <a:fld id="{9A4D8AFB-B093-4E86-BFF0-AEF9377C7DAC}" type="datetimeFigureOut">
+            <a:fld id="{685972B9-134F-4570-8AE1-0BBA728006DE}" type="datetime1">
               <a:rPr lang="en-US" smtClean="0"/>
               <a:t>6/22/2022</a:t>
             </a:fld>
@@ -1075,7 +1428,7 @@
           <a:bodyPr/>
           <a:lstStyle/>
           <a:p>
-            <a:fld id="{9A4D8AFB-B093-4E86-BFF0-AEF9377C7DAC}" type="datetimeFigureOut">
+            <a:fld id="{ED476043-827B-48D5-B81A-EA91CF63ACD6}" type="datetime1">
               <a:rPr lang="en-US" smtClean="0"/>
               <a:t>6/22/2022</a:t>
             </a:fld>
@@ -1363,7 +1716,7 @@
           <a:bodyPr/>
           <a:lstStyle/>
           <a:p>
-            <a:fld id="{9A4D8AFB-B093-4E86-BFF0-AEF9377C7DAC}" type="datetimeFigureOut">
+            <a:fld id="{C92952E8-051B-4A64-B235-C07402359F40}" type="datetime1">
               <a:rPr lang="en-US" smtClean="0"/>
               <a:t>6/22/2022</a:t>
             </a:fld>
@@ -1785,7 +2138,7 @@
           <a:bodyPr/>
           <a:lstStyle/>
           <a:p>
-            <a:fld id="{9A4D8AFB-B093-4E86-BFF0-AEF9377C7DAC}" type="datetimeFigureOut">
+            <a:fld id="{22060052-BDDF-4309-9DEF-B68E0F2CC37B}" type="datetime1">
               <a:rPr lang="en-US" smtClean="0"/>
               <a:t>6/22/2022</a:t>
             </a:fld>
@@ -1903,7 +2256,7 @@
           <a:bodyPr/>
           <a:lstStyle/>
           <a:p>
-            <a:fld id="{9A4D8AFB-B093-4E86-BFF0-AEF9377C7DAC}" type="datetimeFigureOut">
+            <a:fld id="{525FCD3E-1CD6-4D58-8F6E-5730200B85E0}" type="datetime1">
               <a:rPr lang="en-US" smtClean="0"/>
               <a:t>6/22/2022</a:t>
             </a:fld>
@@ -1998,7 +2351,7 @@
           <a:bodyPr/>
           <a:lstStyle/>
           <a:p>
-            <a:fld id="{9A4D8AFB-B093-4E86-BFF0-AEF9377C7DAC}" type="datetimeFigureOut">
+            <a:fld id="{EFC83502-3DA2-49E3-A2F1-3A8EEB36B9B9}" type="datetime1">
               <a:rPr lang="en-US" smtClean="0"/>
               <a:t>6/22/2022</a:t>
             </a:fld>
@@ -2275,7 +2628,7 @@
           <a:bodyPr/>
           <a:lstStyle/>
           <a:p>
-            <a:fld id="{9A4D8AFB-B093-4E86-BFF0-AEF9377C7DAC}" type="datetimeFigureOut">
+            <a:fld id="{C50EE882-2534-4CB0-A11E-3E27D152FFEF}" type="datetime1">
               <a:rPr lang="en-US" smtClean="0"/>
               <a:t>6/22/2022</a:t>
             </a:fld>
@@ -2528,7 +2881,7 @@
           <a:bodyPr/>
           <a:lstStyle/>
           <a:p>
-            <a:fld id="{9A4D8AFB-B093-4E86-BFF0-AEF9377C7DAC}" type="datetimeFigureOut">
+            <a:fld id="{0B86F894-9A5C-40D6-A559-FC65369F50AE}" type="datetime1">
               <a:rPr lang="en-US" smtClean="0"/>
               <a:t>6/22/2022</a:t>
             </a:fld>
@@ -2741,7 +3094,7 @@
             </a:lvl1pPr>
           </a:lstStyle>
           <a:p>
-            <a:fld id="{9A4D8AFB-B093-4E86-BFF0-AEF9377C7DAC}" type="datetimeFigureOut">
+            <a:fld id="{EB1B7170-E31F-451C-ABA2-7D1AFDB7E6E6}" type="datetime1">
               <a:rPr lang="en-US" smtClean="0"/>
               <a:t>6/22/2022</a:t>
             </a:fld>
@@ -2848,6 +3201,7 @@
     <p:sldLayoutId id="2147483658" r:id="rId10"/>
     <p:sldLayoutId id="2147483659" r:id="rId11"/>
   </p:sldLayoutIdLst>
+  <p:hf hdr="0" ftr="0" dt="0"/>
   <p:txStyles>
     <p:titleStyle>
       <a:lvl1pPr algn="ctr" defTabSz="914400" rtl="0" eaLnBrk="1" latinLnBrk="0" hangingPunct="1">
@@ -3395,6 +3749,29 @@
           </a:p>
         </p:txBody>
       </p:sp>
+      <p:sp>
+        <p:nvSpPr>
+          <p:cNvPr id="4" name="Foliennummernplatzhalter 3"/>
+          <p:cNvSpPr>
+            <a:spLocks noGrp="1"/>
+          </p:cNvSpPr>
+          <p:nvPr>
+            <p:ph type="sldNum" sz="quarter" idx="12"/>
+          </p:nvPr>
+        </p:nvSpPr>
+        <p:spPr/>
+        <p:txBody>
+          <a:bodyPr/>
+          <a:lstStyle/>
+          <a:p>
+            <a:fld id="{A6014E0B-7F34-4052-BD6F-AF78CDE8A0AC}" type="slidenum">
+              <a:rPr lang="en-US" smtClean="0"/>
+              <a:t>10</a:t>
+            </a:fld>
+            <a:endParaRPr lang="en-US"/>
+          </a:p>
+        </p:txBody>
+      </p:sp>
     </p:spTree>
     <p:extLst>
       <p:ext uri="{BB962C8B-B14F-4D97-AF65-F5344CB8AC3E}">
@@ -3877,6 +4254,29 @@
           </a:p>
         </p:txBody>
       </p:sp>
+      <p:sp>
+        <p:nvSpPr>
+          <p:cNvPr id="6" name="Foliennummernplatzhalter 5"/>
+          <p:cNvSpPr>
+            <a:spLocks noGrp="1"/>
+          </p:cNvSpPr>
+          <p:nvPr>
+            <p:ph type="sldNum" sz="quarter" idx="12"/>
+          </p:nvPr>
+        </p:nvSpPr>
+        <p:spPr/>
+        <p:txBody>
+          <a:bodyPr/>
+          <a:lstStyle/>
+          <a:p>
+            <a:fld id="{A6014E0B-7F34-4052-BD6F-AF78CDE8A0AC}" type="slidenum">
+              <a:rPr lang="en-US" smtClean="0"/>
+              <a:t>11</a:t>
+            </a:fld>
+            <a:endParaRPr lang="en-US"/>
+          </a:p>
+        </p:txBody>
+      </p:sp>
     </p:spTree>
     <p:extLst>
       <p:ext uri="{BB962C8B-B14F-4D97-AF65-F5344CB8AC3E}">
@@ -4069,6 +4469,29 @@
           </a:p>
         </p:txBody>
       </p:sp>
+      <p:sp>
+        <p:nvSpPr>
+          <p:cNvPr id="4" name="Foliennummernplatzhalter 3"/>
+          <p:cNvSpPr>
+            <a:spLocks noGrp="1"/>
+          </p:cNvSpPr>
+          <p:nvPr>
+            <p:ph type="sldNum" sz="quarter" idx="12"/>
+          </p:nvPr>
+        </p:nvSpPr>
+        <p:spPr/>
+        <p:txBody>
+          <a:bodyPr/>
+          <a:lstStyle/>
+          <a:p>
+            <a:fld id="{A6014E0B-7F34-4052-BD6F-AF78CDE8A0AC}" type="slidenum">
+              <a:rPr lang="en-US" smtClean="0"/>
+              <a:t>12</a:t>
+            </a:fld>
+            <a:endParaRPr lang="en-US"/>
+          </a:p>
+        </p:txBody>
+      </p:sp>
     </p:spTree>
     <p:extLst>
       <p:ext uri="{BB962C8B-B14F-4D97-AF65-F5344CB8AC3E}">
@@ -4292,6 +4715,29 @@
           </a:p>
         </p:txBody>
       </p:sp>
+      <p:sp>
+        <p:nvSpPr>
+          <p:cNvPr id="4" name="Foliennummernplatzhalter 3"/>
+          <p:cNvSpPr>
+            <a:spLocks noGrp="1"/>
+          </p:cNvSpPr>
+          <p:nvPr>
+            <p:ph type="sldNum" sz="quarter" idx="12"/>
+          </p:nvPr>
+        </p:nvSpPr>
+        <p:spPr/>
+        <p:txBody>
+          <a:bodyPr/>
+          <a:lstStyle/>
+          <a:p>
+            <a:fld id="{A6014E0B-7F34-4052-BD6F-AF78CDE8A0AC}" type="slidenum">
+              <a:rPr lang="en-US" smtClean="0"/>
+              <a:t>13</a:t>
+            </a:fld>
+            <a:endParaRPr lang="en-US"/>
+          </a:p>
+        </p:txBody>
+      </p:sp>
     </p:spTree>
     <p:extLst>
       <p:ext uri="{BB962C8B-B14F-4D97-AF65-F5344CB8AC3E}">
@@ -4486,6 +4932,29 @@
           </a:p>
         </p:txBody>
       </p:sp>
+      <p:sp>
+        <p:nvSpPr>
+          <p:cNvPr id="4" name="Foliennummernplatzhalter 3"/>
+          <p:cNvSpPr>
+            <a:spLocks noGrp="1"/>
+          </p:cNvSpPr>
+          <p:nvPr>
+            <p:ph type="sldNum" sz="quarter" idx="12"/>
+          </p:nvPr>
+        </p:nvSpPr>
+        <p:spPr/>
+        <p:txBody>
+          <a:bodyPr/>
+          <a:lstStyle/>
+          <a:p>
+            <a:fld id="{A6014E0B-7F34-4052-BD6F-AF78CDE8A0AC}" type="slidenum">
+              <a:rPr lang="en-US" smtClean="0"/>
+              <a:t>14</a:t>
+            </a:fld>
+            <a:endParaRPr lang="en-US"/>
+          </a:p>
+        </p:txBody>
+      </p:sp>
     </p:spTree>
     <p:extLst>
       <p:ext uri="{BB962C8B-B14F-4D97-AF65-F5344CB8AC3E}">
@@ -6421,6 +6890,29 @@
           </a:p>
         </p:txBody>
       </p:sp>
+      <p:sp>
+        <p:nvSpPr>
+          <p:cNvPr id="3" name="Foliennummernplatzhalter 2"/>
+          <p:cNvSpPr>
+            <a:spLocks noGrp="1"/>
+          </p:cNvSpPr>
+          <p:nvPr>
+            <p:ph type="sldNum" sz="quarter" idx="12"/>
+          </p:nvPr>
+        </p:nvSpPr>
+        <p:spPr/>
+        <p:txBody>
+          <a:bodyPr/>
+          <a:lstStyle/>
+          <a:p>
+            <a:fld id="{A6014E0B-7F34-4052-BD6F-AF78CDE8A0AC}" type="slidenum">
+              <a:rPr lang="en-US" smtClean="0"/>
+              <a:t>15</a:t>
+            </a:fld>
+            <a:endParaRPr lang="en-US"/>
+          </a:p>
+        </p:txBody>
+      </p:sp>
     </p:spTree>
     <p:extLst>
       <p:ext uri="{BB962C8B-B14F-4D97-AF65-F5344CB8AC3E}">
@@ -8308,6 +8800,29 @@
           </a:p>
         </p:txBody>
       </p:sp>
+      <p:sp>
+        <p:nvSpPr>
+          <p:cNvPr id="3" name="Foliennummernplatzhalter 2"/>
+          <p:cNvSpPr>
+            <a:spLocks noGrp="1"/>
+          </p:cNvSpPr>
+          <p:nvPr>
+            <p:ph type="sldNum" sz="quarter" idx="12"/>
+          </p:nvPr>
+        </p:nvSpPr>
+        <p:spPr/>
+        <p:txBody>
+          <a:bodyPr/>
+          <a:lstStyle/>
+          <a:p>
+            <a:fld id="{A6014E0B-7F34-4052-BD6F-AF78CDE8A0AC}" type="slidenum">
+              <a:rPr lang="en-US" smtClean="0"/>
+              <a:t>16</a:t>
+            </a:fld>
+            <a:endParaRPr lang="en-US"/>
+          </a:p>
+        </p:txBody>
+      </p:sp>
     </p:spTree>
     <p:extLst>
       <p:ext uri="{BB962C8B-B14F-4D97-AF65-F5344CB8AC3E}">
@@ -8459,6 +8974,29 @@
           </a:p>
         </p:txBody>
       </p:sp>
+      <p:sp>
+        <p:nvSpPr>
+          <p:cNvPr id="4" name="Foliennummernplatzhalter 3"/>
+          <p:cNvSpPr>
+            <a:spLocks noGrp="1"/>
+          </p:cNvSpPr>
+          <p:nvPr>
+            <p:ph type="sldNum" sz="quarter" idx="12"/>
+          </p:nvPr>
+        </p:nvSpPr>
+        <p:spPr/>
+        <p:txBody>
+          <a:bodyPr/>
+          <a:lstStyle/>
+          <a:p>
+            <a:fld id="{A6014E0B-7F34-4052-BD6F-AF78CDE8A0AC}" type="slidenum">
+              <a:rPr lang="en-US" smtClean="0"/>
+              <a:t>17</a:t>
+            </a:fld>
+            <a:endParaRPr lang="en-US"/>
+          </a:p>
+        </p:txBody>
+      </p:sp>
     </p:spTree>
     <p:extLst>
       <p:ext uri="{BB962C8B-B14F-4D97-AF65-F5344CB8AC3E}">
@@ -8872,6 +9410,29 @@
           </a:p>
         </p:txBody>
       </p:sp>
+      <p:sp>
+        <p:nvSpPr>
+          <p:cNvPr id="5" name="Foliennummernplatzhalter 4"/>
+          <p:cNvSpPr>
+            <a:spLocks noGrp="1"/>
+          </p:cNvSpPr>
+          <p:nvPr>
+            <p:ph type="sldNum" sz="quarter" idx="12"/>
+          </p:nvPr>
+        </p:nvSpPr>
+        <p:spPr/>
+        <p:txBody>
+          <a:bodyPr/>
+          <a:lstStyle/>
+          <a:p>
+            <a:fld id="{A6014E0B-7F34-4052-BD6F-AF78CDE8A0AC}" type="slidenum">
+              <a:rPr lang="en-US" smtClean="0"/>
+              <a:t>18</a:t>
+            </a:fld>
+            <a:endParaRPr lang="en-US"/>
+          </a:p>
+        </p:txBody>
+      </p:sp>
     </p:spTree>
     <p:extLst>
       <p:ext uri="{BB962C8B-B14F-4D97-AF65-F5344CB8AC3E}">
@@ -9006,6 +9567,29 @@
           </a:p>
         </p:txBody>
       </p:sp>
+      <p:sp>
+        <p:nvSpPr>
+          <p:cNvPr id="4" name="Foliennummernplatzhalter 3"/>
+          <p:cNvSpPr>
+            <a:spLocks noGrp="1"/>
+          </p:cNvSpPr>
+          <p:nvPr>
+            <p:ph type="sldNum" sz="quarter" idx="12"/>
+          </p:nvPr>
+        </p:nvSpPr>
+        <p:spPr/>
+        <p:txBody>
+          <a:bodyPr/>
+          <a:lstStyle/>
+          <a:p>
+            <a:fld id="{A6014E0B-7F34-4052-BD6F-AF78CDE8A0AC}" type="slidenum">
+              <a:rPr lang="en-US" smtClean="0"/>
+              <a:t>19</a:t>
+            </a:fld>
+            <a:endParaRPr lang="en-US"/>
+          </a:p>
+        </p:txBody>
+      </p:sp>
     </p:spTree>
     <p:extLst>
       <p:ext uri="{BB962C8B-B14F-4D97-AF65-F5344CB8AC3E}">
@@ -9148,6 +9732,29 @@
               <a:t>python</a:t>
             </a:r>
             <a:endParaRPr lang="en-US" dirty="0"/>
+          </a:p>
+        </p:txBody>
+      </p:sp>
+      <p:sp>
+        <p:nvSpPr>
+          <p:cNvPr id="4" name="Foliennummernplatzhalter 3"/>
+          <p:cNvSpPr>
+            <a:spLocks noGrp="1"/>
+          </p:cNvSpPr>
+          <p:nvPr>
+            <p:ph type="sldNum" sz="quarter" idx="12"/>
+          </p:nvPr>
+        </p:nvSpPr>
+        <p:spPr/>
+        <p:txBody>
+          <a:bodyPr/>
+          <a:lstStyle/>
+          <a:p>
+            <a:fld id="{A6014E0B-7F34-4052-BD6F-AF78CDE8A0AC}" type="slidenum">
+              <a:rPr lang="en-US" smtClean="0"/>
+              <a:t>2</a:t>
+            </a:fld>
+            <a:endParaRPr lang="en-US"/>
           </a:p>
         </p:txBody>
       </p:sp>
@@ -9303,6 +9910,29 @@
           </a:p>
         </p:txBody>
       </p:sp>
+      <p:sp>
+        <p:nvSpPr>
+          <p:cNvPr id="4" name="Foliennummernplatzhalter 3"/>
+          <p:cNvSpPr>
+            <a:spLocks noGrp="1"/>
+          </p:cNvSpPr>
+          <p:nvPr>
+            <p:ph type="sldNum" sz="quarter" idx="12"/>
+          </p:nvPr>
+        </p:nvSpPr>
+        <p:spPr/>
+        <p:txBody>
+          <a:bodyPr/>
+          <a:lstStyle/>
+          <a:p>
+            <a:fld id="{A6014E0B-7F34-4052-BD6F-AF78CDE8A0AC}" type="slidenum">
+              <a:rPr lang="en-US" smtClean="0"/>
+              <a:t>20</a:t>
+            </a:fld>
+            <a:endParaRPr lang="en-US"/>
+          </a:p>
+        </p:txBody>
+      </p:sp>
     </p:spTree>
     <p:extLst>
       <p:ext uri="{BB962C8B-B14F-4D97-AF65-F5344CB8AC3E}">
@@ -11108,6 +11738,29 @@
           </a:p>
         </p:txBody>
       </p:sp>
+      <p:sp>
+        <p:nvSpPr>
+          <p:cNvPr id="21" name="Foliennummernplatzhalter 20"/>
+          <p:cNvSpPr>
+            <a:spLocks noGrp="1"/>
+          </p:cNvSpPr>
+          <p:nvPr>
+            <p:ph type="sldNum" sz="quarter" idx="12"/>
+          </p:nvPr>
+        </p:nvSpPr>
+        <p:spPr/>
+        <p:txBody>
+          <a:bodyPr/>
+          <a:lstStyle/>
+          <a:p>
+            <a:fld id="{A6014E0B-7F34-4052-BD6F-AF78CDE8A0AC}" type="slidenum">
+              <a:rPr lang="en-US" smtClean="0"/>
+              <a:t>21</a:t>
+            </a:fld>
+            <a:endParaRPr lang="en-US"/>
+          </a:p>
+        </p:txBody>
+      </p:sp>
     </p:spTree>
     <p:extLst>
       <p:ext uri="{BB962C8B-B14F-4D97-AF65-F5344CB8AC3E}">
@@ -11287,6 +11940,29 @@
           </a:p>
         </p:txBody>
       </p:sp>
+      <p:sp>
+        <p:nvSpPr>
+          <p:cNvPr id="4" name="Foliennummernplatzhalter 3"/>
+          <p:cNvSpPr>
+            <a:spLocks noGrp="1"/>
+          </p:cNvSpPr>
+          <p:nvPr>
+            <p:ph type="sldNum" sz="quarter" idx="12"/>
+          </p:nvPr>
+        </p:nvSpPr>
+        <p:spPr/>
+        <p:txBody>
+          <a:bodyPr/>
+          <a:lstStyle/>
+          <a:p>
+            <a:fld id="{A6014E0B-7F34-4052-BD6F-AF78CDE8A0AC}" type="slidenum">
+              <a:rPr lang="en-US" smtClean="0"/>
+              <a:t>22</a:t>
+            </a:fld>
+            <a:endParaRPr lang="en-US"/>
+          </a:p>
+        </p:txBody>
+      </p:sp>
     </p:spTree>
     <p:extLst>
       <p:ext uri="{BB962C8B-B14F-4D97-AF65-F5344CB8AC3E}">
@@ -11641,6 +12317,29 @@
           </a:p>
         </p:txBody>
       </p:sp>
+      <p:sp>
+        <p:nvSpPr>
+          <p:cNvPr id="4" name="Foliennummernplatzhalter 3"/>
+          <p:cNvSpPr>
+            <a:spLocks noGrp="1"/>
+          </p:cNvSpPr>
+          <p:nvPr>
+            <p:ph type="sldNum" sz="quarter" idx="12"/>
+          </p:nvPr>
+        </p:nvSpPr>
+        <p:spPr/>
+        <p:txBody>
+          <a:bodyPr/>
+          <a:lstStyle/>
+          <a:p>
+            <a:fld id="{A6014E0B-7F34-4052-BD6F-AF78CDE8A0AC}" type="slidenum">
+              <a:rPr lang="en-US" smtClean="0"/>
+              <a:t>23</a:t>
+            </a:fld>
+            <a:endParaRPr lang="en-US"/>
+          </a:p>
+        </p:txBody>
+      </p:sp>
     </p:spTree>
     <p:extLst>
       <p:ext uri="{BB962C8B-B14F-4D97-AF65-F5344CB8AC3E}">
@@ -11790,27 +12489,38 @@
           </a:p>
           <a:p>
             <a:r>
+              <a:rPr lang="en-US" dirty="0" smtClean="0"/>
+              <a:t>Extendibility (more devices or data later?)</a:t>
+            </a:r>
+          </a:p>
+          <a:p>
+            <a:endParaRPr lang="en-US" dirty="0" smtClean="0"/>
+          </a:p>
+          <a:p>
+            <a:endParaRPr lang="en-US" dirty="0"/>
+          </a:p>
+        </p:txBody>
+      </p:sp>
+      <p:sp>
+        <p:nvSpPr>
+          <p:cNvPr id="4" name="Foliennummernplatzhalter 3"/>
+          <p:cNvSpPr>
+            <a:spLocks noGrp="1"/>
+          </p:cNvSpPr>
+          <p:nvPr>
+            <p:ph type="sldNum" sz="quarter" idx="12"/>
+          </p:nvPr>
+        </p:nvSpPr>
+        <p:spPr/>
+        <p:txBody>
+          <a:bodyPr/>
+          <a:lstStyle/>
+          <a:p>
+            <a:fld id="{A6014E0B-7F34-4052-BD6F-AF78CDE8A0AC}" type="slidenum">
               <a:rPr lang="en-US" smtClean="0"/>
-              <a:t>Extendibility </a:t>
-            </a:r>
-            <a:r>
-              <a:rPr lang="en-US" dirty="0" smtClean="0"/>
-              <a:t>(</a:t>
-            </a:r>
-            <a:r>
-              <a:rPr lang="en-US" smtClean="0"/>
-              <a:t>more devices or data </a:t>
-            </a:r>
-            <a:r>
-              <a:rPr lang="en-US" dirty="0" smtClean="0"/>
-              <a:t>later?)</a:t>
-            </a:r>
-          </a:p>
-          <a:p>
-            <a:endParaRPr lang="en-US" dirty="0" smtClean="0"/>
-          </a:p>
-          <a:p>
-            <a:endParaRPr lang="en-US" dirty="0"/>
+              <a:t>24</a:t>
+            </a:fld>
+            <a:endParaRPr lang="en-US"/>
           </a:p>
         </p:txBody>
       </p:sp>
@@ -11932,6 +12642,29 @@
               <a:t>Codename</a:t>
             </a:r>
             <a:endParaRPr lang="en-US" dirty="0"/>
+          </a:p>
+        </p:txBody>
+      </p:sp>
+      <p:sp>
+        <p:nvSpPr>
+          <p:cNvPr id="2" name="Foliennummernplatzhalter 1"/>
+          <p:cNvSpPr>
+            <a:spLocks noGrp="1"/>
+          </p:cNvSpPr>
+          <p:nvPr>
+            <p:ph type="sldNum" sz="quarter" idx="12"/>
+          </p:nvPr>
+        </p:nvSpPr>
+        <p:spPr/>
+        <p:txBody>
+          <a:bodyPr/>
+          <a:lstStyle/>
+          <a:p>
+            <a:fld id="{A6014E0B-7F34-4052-BD6F-AF78CDE8A0AC}" type="slidenum">
+              <a:rPr lang="en-US" smtClean="0"/>
+              <a:t>3</a:t>
+            </a:fld>
+            <a:endParaRPr lang="en-US"/>
           </a:p>
         </p:txBody>
       </p:sp>
@@ -12200,6 +12933,29 @@
           </a:p>
         </p:txBody>
       </p:sp>
+      <p:sp>
+        <p:nvSpPr>
+          <p:cNvPr id="3" name="Foliennummernplatzhalter 2"/>
+          <p:cNvSpPr>
+            <a:spLocks noGrp="1"/>
+          </p:cNvSpPr>
+          <p:nvPr>
+            <p:ph type="sldNum" sz="quarter" idx="12"/>
+          </p:nvPr>
+        </p:nvSpPr>
+        <p:spPr/>
+        <p:txBody>
+          <a:bodyPr/>
+          <a:lstStyle/>
+          <a:p>
+            <a:fld id="{A6014E0B-7F34-4052-BD6F-AF78CDE8A0AC}" type="slidenum">
+              <a:rPr lang="en-US" smtClean="0"/>
+              <a:t>4</a:t>
+            </a:fld>
+            <a:endParaRPr lang="en-US"/>
+          </a:p>
+        </p:txBody>
+      </p:sp>
     </p:spTree>
     <p:extLst>
       <p:ext uri="{BB962C8B-B14F-4D97-AF65-F5344CB8AC3E}">
@@ -12514,6 +13270,29 @@
           </a:p>
         </p:txBody>
       </p:sp>
+      <p:sp>
+        <p:nvSpPr>
+          <p:cNvPr id="4" name="Foliennummernplatzhalter 3"/>
+          <p:cNvSpPr>
+            <a:spLocks noGrp="1"/>
+          </p:cNvSpPr>
+          <p:nvPr>
+            <p:ph type="sldNum" sz="quarter" idx="12"/>
+          </p:nvPr>
+        </p:nvSpPr>
+        <p:spPr/>
+        <p:txBody>
+          <a:bodyPr/>
+          <a:lstStyle/>
+          <a:p>
+            <a:fld id="{A6014E0B-7F34-4052-BD6F-AF78CDE8A0AC}" type="slidenum">
+              <a:rPr lang="en-US" smtClean="0"/>
+              <a:t>5</a:t>
+            </a:fld>
+            <a:endParaRPr lang="en-US"/>
+          </a:p>
+        </p:txBody>
+      </p:sp>
     </p:spTree>
     <p:extLst>
       <p:ext uri="{BB962C8B-B14F-4D97-AF65-F5344CB8AC3E}">
@@ -12900,6 +13679,29 @@
           </a:p>
         </p:txBody>
       </p:sp>
+      <p:sp>
+        <p:nvSpPr>
+          <p:cNvPr id="4" name="Foliennummernplatzhalter 3"/>
+          <p:cNvSpPr>
+            <a:spLocks noGrp="1"/>
+          </p:cNvSpPr>
+          <p:nvPr>
+            <p:ph type="sldNum" sz="quarter" idx="12"/>
+          </p:nvPr>
+        </p:nvSpPr>
+        <p:spPr/>
+        <p:txBody>
+          <a:bodyPr/>
+          <a:lstStyle/>
+          <a:p>
+            <a:fld id="{A6014E0B-7F34-4052-BD6F-AF78CDE8A0AC}" type="slidenum">
+              <a:rPr lang="en-US" smtClean="0"/>
+              <a:t>6</a:t>
+            </a:fld>
+            <a:endParaRPr lang="en-US"/>
+          </a:p>
+        </p:txBody>
+      </p:sp>
     </p:spTree>
     <p:extLst>
       <p:ext uri="{BB962C8B-B14F-4D97-AF65-F5344CB8AC3E}">
@@ -13053,6 +13855,29 @@
           </a:p>
         </p:txBody>
       </p:sp>
+      <p:sp>
+        <p:nvSpPr>
+          <p:cNvPr id="4" name="Foliennummernplatzhalter 3"/>
+          <p:cNvSpPr>
+            <a:spLocks noGrp="1"/>
+          </p:cNvSpPr>
+          <p:nvPr>
+            <p:ph type="sldNum" sz="quarter" idx="12"/>
+          </p:nvPr>
+        </p:nvSpPr>
+        <p:spPr/>
+        <p:txBody>
+          <a:bodyPr/>
+          <a:lstStyle/>
+          <a:p>
+            <a:fld id="{A6014E0B-7F34-4052-BD6F-AF78CDE8A0AC}" type="slidenum">
+              <a:rPr lang="en-US" smtClean="0"/>
+              <a:t>7</a:t>
+            </a:fld>
+            <a:endParaRPr lang="en-US"/>
+          </a:p>
+        </p:txBody>
+      </p:sp>
     </p:spTree>
     <p:extLst>
       <p:ext uri="{BB962C8B-B14F-4D97-AF65-F5344CB8AC3E}">
@@ -13886,6 +14711,29 @@
           </a:p>
         </p:txBody>
       </p:sp>
+      <p:sp>
+        <p:nvSpPr>
+          <p:cNvPr id="4" name="Foliennummernplatzhalter 3"/>
+          <p:cNvSpPr>
+            <a:spLocks noGrp="1"/>
+          </p:cNvSpPr>
+          <p:nvPr>
+            <p:ph type="sldNum" sz="quarter" idx="12"/>
+          </p:nvPr>
+        </p:nvSpPr>
+        <p:spPr/>
+        <p:txBody>
+          <a:bodyPr/>
+          <a:lstStyle/>
+          <a:p>
+            <a:fld id="{A6014E0B-7F34-4052-BD6F-AF78CDE8A0AC}" type="slidenum">
+              <a:rPr lang="en-US" smtClean="0"/>
+              <a:t>8</a:t>
+            </a:fld>
+            <a:endParaRPr lang="en-US"/>
+          </a:p>
+        </p:txBody>
+      </p:sp>
     </p:spTree>
     <p:extLst>
       <p:ext uri="{BB962C8B-B14F-4D97-AF65-F5344CB8AC3E}">
@@ -14045,6 +14893,29 @@
               <a:t>progress</a:t>
             </a:r>
             <a:endParaRPr lang="en-US" b="1" dirty="0"/>
+          </a:p>
+        </p:txBody>
+      </p:sp>
+      <p:sp>
+        <p:nvSpPr>
+          <p:cNvPr id="4" name="Foliennummernplatzhalter 3"/>
+          <p:cNvSpPr>
+            <a:spLocks noGrp="1"/>
+          </p:cNvSpPr>
+          <p:nvPr>
+            <p:ph type="sldNum" sz="quarter" idx="12"/>
+          </p:nvPr>
+        </p:nvSpPr>
+        <p:spPr/>
+        <p:txBody>
+          <a:bodyPr/>
+          <a:lstStyle/>
+          <a:p>
+            <a:fld id="{A6014E0B-7F34-4052-BD6F-AF78CDE8A0AC}" type="slidenum">
+              <a:rPr lang="en-US" smtClean="0"/>
+              <a:t>9</a:t>
+            </a:fld>
+            <a:endParaRPr lang="en-US"/>
           </a:p>
         </p:txBody>
       </p:sp>
@@ -14344,4 +15215,289 @@
   <a:objectDefaults/>
   <a:extraClrSchemeLst/>
 </a:theme>
+</file>
+
+<file path=ppt/theme/theme2.xml><?xml version="1.0" encoding="utf-8"?>
+<a:theme xmlns:a="http://schemas.openxmlformats.org/drawingml/2006/main" name="Larissa">
+  <a:themeElements>
+    <a:clrScheme name="Larissa">
+      <a:dk1>
+        <a:sysClr val="windowText" lastClr="000000"/>
+      </a:dk1>
+      <a:lt1>
+        <a:sysClr val="window" lastClr="FFFFFF"/>
+      </a:lt1>
+      <a:dk2>
+        <a:srgbClr val="1F497D"/>
+      </a:dk2>
+      <a:lt2>
+        <a:srgbClr val="EEECE1"/>
+      </a:lt2>
+      <a:accent1>
+        <a:srgbClr val="4F81BD"/>
+      </a:accent1>
+      <a:accent2>
+        <a:srgbClr val="C0504D"/>
+      </a:accent2>
+      <a:accent3>
+        <a:srgbClr val="9BBB59"/>
+      </a:accent3>
+      <a:accent4>
+        <a:srgbClr val="8064A2"/>
+      </a:accent4>
+      <a:accent5>
+        <a:srgbClr val="4BACC6"/>
+      </a:accent5>
+      <a:accent6>
+        <a:srgbClr val="F79646"/>
+      </a:accent6>
+      <a:hlink>
+        <a:srgbClr val="0000FF"/>
+      </a:hlink>
+      <a:folHlink>
+        <a:srgbClr val="800080"/>
+      </a:folHlink>
+    </a:clrScheme>
+    <a:fontScheme name="Larissa">
+      <a:majorFont>
+        <a:latin typeface="Calibri"/>
+        <a:ea typeface=""/>
+        <a:cs typeface=""/>
+        <a:font script="Jpan" typeface="ＭＳ Ｐゴシック"/>
+        <a:font script="Hang" typeface="맑은 고딕"/>
+        <a:font script="Hans" typeface="宋体"/>
+        <a:font script="Hant" typeface="新細明體"/>
+        <a:font script="Arab" typeface="Times New Roman"/>
+        <a:font script="Hebr" typeface="Times New Roman"/>
+        <a:font script="Thai" typeface="Angsana New"/>
+        <a:font script="Ethi" typeface="Nyala"/>
+        <a:font script="Beng" typeface="Vrinda"/>
+        <a:font script="Gujr" typeface="Shruti"/>
+        <a:font script="Khmr" typeface="MoolBoran"/>
+        <a:font script="Knda" typeface="Tunga"/>
+        <a:font script="Guru" typeface="Raavi"/>
+        <a:font script="Cans" typeface="Euphemia"/>
+        <a:font script="Cher" typeface="Plantagenet Cherokee"/>
+        <a:font script="Yiii" typeface="Microsoft Yi Baiti"/>
+        <a:font script="Tibt" typeface="Microsoft Himalaya"/>
+        <a:font script="Thaa" typeface="MV Boli"/>
+        <a:font script="Deva" typeface="Mangal"/>
+        <a:font script="Telu" typeface="Gautami"/>
+        <a:font script="Taml" typeface="Latha"/>
+        <a:font script="Syrc" typeface="Estrangelo Edessa"/>
+        <a:font script="Orya" typeface="Kalinga"/>
+        <a:font script="Mlym" typeface="Kartika"/>
+        <a:font script="Laoo" typeface="DokChampa"/>
+        <a:font script="Sinh" typeface="Iskoola Pota"/>
+        <a:font script="Mong" typeface="Mongolian Baiti"/>
+        <a:font script="Viet" typeface="Times New Roman"/>
+        <a:font script="Uigh" typeface="Microsoft Uighur"/>
+        <a:font script="Geor" typeface="Sylfaen"/>
+      </a:majorFont>
+      <a:minorFont>
+        <a:latin typeface="Calibri"/>
+        <a:ea typeface=""/>
+        <a:cs typeface=""/>
+        <a:font script="Jpan" typeface="ＭＳ Ｐゴシック"/>
+        <a:font script="Hang" typeface="맑은 고딕"/>
+        <a:font script="Hans" typeface="宋体"/>
+        <a:font script="Hant" typeface="新細明體"/>
+        <a:font script="Arab" typeface="Arial"/>
+        <a:font script="Hebr" typeface="Arial"/>
+        <a:font script="Thai" typeface="Cordia New"/>
+        <a:font script="Ethi" typeface="Nyala"/>
+        <a:font script="Beng" typeface="Vrinda"/>
+        <a:font script="Gujr" typeface="Shruti"/>
+        <a:font script="Khmr" typeface="DaunPenh"/>
+        <a:font script="Knda" typeface="Tunga"/>
+        <a:font script="Guru" typeface="Raavi"/>
+        <a:font script="Cans" typeface="Euphemia"/>
+        <a:font script="Cher" typeface="Plantagenet Cherokee"/>
+        <a:font script="Yiii" typeface="Microsoft Yi Baiti"/>
+        <a:font script="Tibt" typeface="Microsoft Himalaya"/>
+        <a:font script="Thaa" typeface="MV Boli"/>
+        <a:font script="Deva" typeface="Mangal"/>
+        <a:font script="Telu" typeface="Gautami"/>
+        <a:font script="Taml" typeface="Latha"/>
+        <a:font script="Syrc" typeface="Estrangelo Edessa"/>
+        <a:font script="Orya" typeface="Kalinga"/>
+        <a:font script="Mlym" typeface="Kartika"/>
+        <a:font script="Laoo" typeface="DokChampa"/>
+        <a:font script="Sinh" typeface="Iskoola Pota"/>
+        <a:font script="Mong" typeface="Mongolian Baiti"/>
+        <a:font script="Viet" typeface="Arial"/>
+        <a:font script="Uigh" typeface="Microsoft Uighur"/>
+        <a:font script="Geor" typeface="Sylfaen"/>
+      </a:minorFont>
+    </a:fontScheme>
+    <a:fmtScheme name="Larissa">
+      <a:fillStyleLst>
+        <a:solidFill>
+          <a:schemeClr val="phClr"/>
+        </a:solidFill>
+        <a:gradFill rotWithShape="1">
+          <a:gsLst>
+            <a:gs pos="0">
+              <a:schemeClr val="phClr">
+                <a:tint val="50000"/>
+                <a:satMod val="300000"/>
+              </a:schemeClr>
+            </a:gs>
+            <a:gs pos="35000">
+              <a:schemeClr val="phClr">
+                <a:tint val="37000"/>
+                <a:satMod val="300000"/>
+              </a:schemeClr>
+            </a:gs>
+            <a:gs pos="100000">
+              <a:schemeClr val="phClr">
+                <a:tint val="15000"/>
+                <a:satMod val="350000"/>
+              </a:schemeClr>
+            </a:gs>
+          </a:gsLst>
+          <a:lin ang="16200000" scaled="1"/>
+        </a:gradFill>
+        <a:gradFill rotWithShape="1">
+          <a:gsLst>
+            <a:gs pos="0">
+              <a:schemeClr val="phClr">
+                <a:shade val="51000"/>
+                <a:satMod val="130000"/>
+              </a:schemeClr>
+            </a:gs>
+            <a:gs pos="80000">
+              <a:schemeClr val="phClr">
+                <a:shade val="93000"/>
+                <a:satMod val="130000"/>
+              </a:schemeClr>
+            </a:gs>
+            <a:gs pos="100000">
+              <a:schemeClr val="phClr">
+                <a:shade val="94000"/>
+                <a:satMod val="135000"/>
+              </a:schemeClr>
+            </a:gs>
+          </a:gsLst>
+          <a:lin ang="16200000" scaled="0"/>
+        </a:gradFill>
+      </a:fillStyleLst>
+      <a:lnStyleLst>
+        <a:ln w="9525" cap="flat" cmpd="sng" algn="ctr">
+          <a:solidFill>
+            <a:schemeClr val="phClr">
+              <a:shade val="95000"/>
+              <a:satMod val="105000"/>
+            </a:schemeClr>
+          </a:solidFill>
+          <a:prstDash val="solid"/>
+        </a:ln>
+        <a:ln w="25400" cap="flat" cmpd="sng" algn="ctr">
+          <a:solidFill>
+            <a:schemeClr val="phClr"/>
+          </a:solidFill>
+          <a:prstDash val="solid"/>
+        </a:ln>
+        <a:ln w="38100" cap="flat" cmpd="sng" algn="ctr">
+          <a:solidFill>
+            <a:schemeClr val="phClr"/>
+          </a:solidFill>
+          <a:prstDash val="solid"/>
+        </a:ln>
+      </a:lnStyleLst>
+      <a:effectStyleLst>
+        <a:effectStyle>
+          <a:effectLst>
+            <a:outerShdw blurRad="40000" dist="20000" dir="5400000" rotWithShape="0">
+              <a:srgbClr val="000000">
+                <a:alpha val="38000"/>
+              </a:srgbClr>
+            </a:outerShdw>
+          </a:effectLst>
+        </a:effectStyle>
+        <a:effectStyle>
+          <a:effectLst>
+            <a:outerShdw blurRad="40000" dist="23000" dir="5400000" rotWithShape="0">
+              <a:srgbClr val="000000">
+                <a:alpha val="35000"/>
+              </a:srgbClr>
+            </a:outerShdw>
+          </a:effectLst>
+        </a:effectStyle>
+        <a:effectStyle>
+          <a:effectLst>
+            <a:outerShdw blurRad="40000" dist="23000" dir="5400000" rotWithShape="0">
+              <a:srgbClr val="000000">
+                <a:alpha val="35000"/>
+              </a:srgbClr>
+            </a:outerShdw>
+          </a:effectLst>
+          <a:scene3d>
+            <a:camera prst="orthographicFront">
+              <a:rot lat="0" lon="0" rev="0"/>
+            </a:camera>
+            <a:lightRig rig="threePt" dir="t">
+              <a:rot lat="0" lon="0" rev="1200000"/>
+            </a:lightRig>
+          </a:scene3d>
+          <a:sp3d>
+            <a:bevelT w="63500" h="25400"/>
+          </a:sp3d>
+        </a:effectStyle>
+      </a:effectStyleLst>
+      <a:bgFillStyleLst>
+        <a:solidFill>
+          <a:schemeClr val="phClr"/>
+        </a:solidFill>
+        <a:gradFill rotWithShape="1">
+          <a:gsLst>
+            <a:gs pos="0">
+              <a:schemeClr val="phClr">
+                <a:tint val="40000"/>
+                <a:satMod val="350000"/>
+              </a:schemeClr>
+            </a:gs>
+            <a:gs pos="40000">
+              <a:schemeClr val="phClr">
+                <a:tint val="45000"/>
+                <a:shade val="99000"/>
+                <a:satMod val="350000"/>
+              </a:schemeClr>
+            </a:gs>
+            <a:gs pos="100000">
+              <a:schemeClr val="phClr">
+                <a:shade val="20000"/>
+                <a:satMod val="255000"/>
+              </a:schemeClr>
+            </a:gs>
+          </a:gsLst>
+          <a:path path="circle">
+            <a:fillToRect l="50000" t="-80000" r="50000" b="180000"/>
+          </a:path>
+        </a:gradFill>
+        <a:gradFill rotWithShape="1">
+          <a:gsLst>
+            <a:gs pos="0">
+              <a:schemeClr val="phClr">
+                <a:tint val="80000"/>
+                <a:satMod val="300000"/>
+              </a:schemeClr>
+            </a:gs>
+            <a:gs pos="100000">
+              <a:schemeClr val="phClr">
+                <a:shade val="30000"/>
+                <a:satMod val="200000"/>
+              </a:schemeClr>
+            </a:gs>
+          </a:gsLst>
+          <a:path path="circle">
+            <a:fillToRect l="50000" t="50000" r="50000" b="50000"/>
+          </a:path>
+        </a:gradFill>
+      </a:bgFillStyleLst>
+    </a:fmtScheme>
+  </a:themeElements>
+  <a:objectDefaults/>
+  <a:extraClrSchemeLst/>
+</a:theme>
 </file>